--- a/lectures3/gr/Pythonlearn-01-Intro.pptx
+++ b/lectures3/gr/Pythonlearn-01-Intro.pptx
@@ -25761,7 +25761,31 @@
                 <a:cs typeface="Courier" charset="0"/>
                 <a:sym typeface="Cabin"/>
               </a:rPr>
-              <a:t>'Finis'</a:t>
+              <a:t>‘</a:t>
+            </a:r>
+            <a:r>
+              <a:rPr lang="el-GR" sz="2800" u="none" strike="noStrike" cap="none" dirty="0">
+                <a:solidFill>
+                  <a:srgbClr val="00FF00"/>
+                </a:solidFill>
+                <a:latin typeface="Courier" charset="0"/>
+                <a:ea typeface="Courier" charset="0"/>
+                <a:cs typeface="Courier" charset="0"/>
+                <a:sym typeface="Cabin"/>
+              </a:rPr>
+              <a:t>Τέλος</a:t>
+            </a:r>
+            <a:r>
+              <a:rPr lang="en-US" sz="2800" u="none" strike="noStrike" cap="none" dirty="0">
+                <a:solidFill>
+                  <a:srgbClr val="00FF00"/>
+                </a:solidFill>
+                <a:latin typeface="Courier" charset="0"/>
+                <a:ea typeface="Courier" charset="0"/>
+                <a:cs typeface="Courier" charset="0"/>
+                <a:sym typeface="Cabin"/>
+              </a:rPr>
+              <a:t>'</a:t>
             </a:r>
             <a:r>
               <a:rPr lang="en-US" sz="2800" dirty="0">
@@ -26342,10 +26366,10 @@
                 <a:cs typeface="Arial" charset="0"/>
                 <a:sym typeface="Cabin"/>
               </a:rPr>
-              <a:t>print('</a:t>
-            </a:r>
-            <a:r>
-              <a:rPr lang="el-GR" sz="3000" dirty="0">
+              <a:t>print</a:t>
+            </a:r>
+            <a:r>
+              <a:rPr lang="en-US" sz="3000" u="none" strike="noStrike" cap="none">
                 <a:solidFill>
                   <a:schemeClr val="lt1"/>
                 </a:solidFill>
@@ -26354,7 +26378,19 @@
                 <a:cs typeface="Arial" charset="0"/>
                 <a:sym typeface="Cabin"/>
               </a:rPr>
-              <a:t> Μεγαλύτερο </a:t>
+              <a:t>('</a:t>
+            </a:r>
+            <a:r>
+              <a:rPr lang="el-GR" sz="3000">
+                <a:solidFill>
+                  <a:schemeClr val="lt1"/>
+                </a:solidFill>
+                <a:latin typeface="Arial" charset="0"/>
+                <a:ea typeface="Arial" charset="0"/>
+                <a:cs typeface="Arial" charset="0"/>
+                <a:sym typeface="Cabin"/>
+              </a:rPr>
+              <a:t>Μεγαλύτερο</a:t>
             </a:r>
             <a:r>
               <a:rPr lang="en-US" sz="3000" dirty="0">

--- a/lectures3/gr/Pythonlearn-01-Intro.pptx
+++ b/lectures3/gr/Pythonlearn-01-Intro.pptx
@@ -52,7 +52,7 @@
     <p:sldId id="299" r:id="rId43"/>
     <p:sldId id="300" r:id="rId44"/>
     <p:sldId id="301" r:id="rId45"/>
-    <p:sldId id="302" r:id="rId46"/>
+    <p:sldId id="320" r:id="rId46"/>
   </p:sldIdLst>
   <p:sldSz cx="16256000" cy="9144000"/>
   <p:notesSz cx="6858000" cy="9144000"/>
@@ -10172,8 +10172,8 @@
         </p:nvSpPr>
         <p:spPr>
           <a:xfrm>
-            <a:off x="574950" y="719847"/>
-            <a:ext cx="9772499" cy="7529208"/>
+            <a:off x="194872" y="719847"/>
+            <a:ext cx="10343213" cy="7529208"/>
           </a:xfrm>
           <a:prstGeom prst="rect">
             <a:avLst/>
@@ -10196,7 +10196,7 @@
               <a:buSzPct val="25000"/>
             </a:pPr>
             <a:r>
-              <a:rPr lang="en-US" sz="2800" dirty="0">
+              <a:rPr lang="el-GR" sz="2800" dirty="0">
                 <a:solidFill>
                   <a:srgbClr val="00FF00"/>
                 </a:solidFill>
@@ -10205,10 +10205,10 @@
                 <a:cs typeface="Courier"/>
                 <a:sym typeface="Courier New"/>
               </a:rPr>
-              <a:t>name = input(‘</a:t>
-            </a:r>
-            <a:r>
-              <a:rPr lang="el-GR" sz="2800" dirty="0">
+              <a:t>όνομα</a:t>
+            </a:r>
+            <a:r>
+              <a:rPr lang="en-US" sz="2800" dirty="0">
                 <a:solidFill>
                   <a:srgbClr val="00FF00"/>
                 </a:solidFill>
@@ -10217,10 +10217,10 @@
                 <a:cs typeface="Courier"/>
                 <a:sym typeface="Courier New"/>
               </a:rPr>
-              <a:t>Εισάγετε αρχείο</a:t>
-            </a:r>
-            <a:r>
-              <a:rPr lang="en-US" sz="2800" dirty="0">
+              <a:t> = input(‘</a:t>
+            </a:r>
+            <a:r>
+              <a:rPr lang="el-GR" sz="2800" dirty="0">
                 <a:solidFill>
                   <a:srgbClr val="00FF00"/>
                 </a:solidFill>
@@ -10229,16 +10229,8 @@
                 <a:cs typeface="Courier"/>
                 <a:sym typeface="Courier New"/>
               </a:rPr>
-              <a:t>:')</a:t>
-            </a:r>
-          </a:p>
-          <a:p>
-            <a:pPr lvl="0">
-              <a:buClr>
-                <a:srgbClr val="00FF00"/>
-              </a:buClr>
-              <a:buSzPct val="25000"/>
-            </a:pPr>
+              <a:t>Εισάγετε αρχείο</a:t>
+            </a:r>
             <a:r>
               <a:rPr lang="en-US" sz="2800" dirty="0">
                 <a:solidFill>
@@ -10249,7 +10241,51 @@
                 <a:cs typeface="Courier"/>
                 <a:sym typeface="Courier New"/>
               </a:rPr>
-              <a:t>handle = open(name)</a:t>
+              <a:t>:')</a:t>
+            </a:r>
+          </a:p>
+          <a:p>
+            <a:pPr lvl="0">
+              <a:buClr>
+                <a:srgbClr val="00FF00"/>
+              </a:buClr>
+              <a:buSzPct val="25000"/>
+            </a:pPr>
+            <a:r>
+              <a:rPr lang="en-US" sz="2800" dirty="0">
+                <a:solidFill>
+                  <a:srgbClr val="00FF00"/>
+                </a:solidFill>
+                <a:latin typeface="Courier"/>
+                <a:ea typeface="Courier"/>
+                <a:cs typeface="Courier"/>
+                <a:sym typeface="Courier New"/>
+              </a:rPr>
+              <a:t>handle = open(</a:t>
+            </a:r>
+            <a:r>
+              <a:rPr lang="el-GR" sz="2800" dirty="0">
+                <a:solidFill>
+                  <a:srgbClr val="00FF00"/>
+                </a:solidFill>
+                <a:latin typeface="Courier"/>
+                <a:ea typeface="Courier"/>
+                <a:cs typeface="Courier"/>
+                <a:sym typeface="Courier New"/>
+              </a:rPr>
+              <a:t>όνομα</a:t>
+            </a:r>
+            <a:r>
+              <a:rPr lang="en-US" sz="2800" dirty="0">
+                <a:solidFill>
+                  <a:srgbClr val="00FF00"/>
+                </a:solidFill>
+                <a:latin typeface="Courier"/>
+                <a:ea typeface="Courier"/>
+                <a:cs typeface="Courier"/>
+                <a:sym typeface="Courier New"/>
+              </a:rPr>
+              <a:t>)</a:t>
             </a:r>
           </a:p>
           <a:p>
@@ -10272,7 +10308,7 @@
               <a:buSzPct val="25000"/>
             </a:pPr>
             <a:r>
-              <a:rPr lang="en-US" sz="2800" dirty="0">
+              <a:rPr lang="el-GR" sz="2800" dirty="0">
                 <a:solidFill>
                   <a:srgbClr val="FF00FF"/>
                 </a:solidFill>
@@ -10281,10 +10317,10 @@
                 <a:cs typeface="Courier"/>
                 <a:sym typeface="Courier New"/>
               </a:rPr>
-              <a:t>counts = </a:t>
-            </a:r>
-            <a:r>
-              <a:rPr lang="en-US" sz="2800" dirty="0" err="1">
+              <a:t>πλήθη</a:t>
+            </a:r>
+            <a:r>
+              <a:rPr lang="en-US" sz="2800" dirty="0">
                 <a:solidFill>
                   <a:srgbClr val="FF00FF"/>
                 </a:solidFill>
@@ -10293,10 +10329,10 @@
                 <a:cs typeface="Courier"/>
                 <a:sym typeface="Courier New"/>
               </a:rPr>
-              <a:t>dict</a:t>
-            </a:r>
-            <a:r>
-              <a:rPr lang="en-US" sz="2800" dirty="0">
+              <a:t> = </a:t>
+            </a:r>
+            <a:r>
+              <a:rPr lang="en-US" sz="2800" dirty="0" err="1">
                 <a:solidFill>
                   <a:srgbClr val="FF00FF"/>
                 </a:solidFill>
@@ -10305,16 +10341,8 @@
                 <a:cs typeface="Courier"/>
                 <a:sym typeface="Courier New"/>
               </a:rPr>
-              <a:t>()</a:t>
-            </a:r>
-          </a:p>
-          <a:p>
-            <a:pPr lvl="0">
-              <a:buClr>
-                <a:srgbClr val="00FF00"/>
-              </a:buClr>
-              <a:buSzPct val="25000"/>
-            </a:pPr>
+              <a:t>dict</a:t>
+            </a:r>
             <a:r>
               <a:rPr lang="en-US" sz="2800" dirty="0">
                 <a:solidFill>
@@ -10325,7 +10353,7 @@
                 <a:cs typeface="Courier"/>
                 <a:sym typeface="Courier New"/>
               </a:rPr>
-              <a:t>for line in handle:</a:t>
+              <a:t>()</a:t>
             </a:r>
           </a:p>
           <a:p>
@@ -10345,10 +10373,10 @@
                 <a:cs typeface="Courier"/>
                 <a:sym typeface="Courier New"/>
               </a:rPr>
-              <a:t>    words = </a:t>
-            </a:r>
-            <a:r>
-              <a:rPr lang="en-US" sz="2800" dirty="0" err="1">
+              <a:t>for </a:t>
+            </a:r>
+            <a:r>
+              <a:rPr lang="el-GR" sz="2800" dirty="0">
                 <a:solidFill>
                   <a:srgbClr val="FF00FF"/>
                 </a:solidFill>
@@ -10357,7 +10385,7 @@
                 <a:cs typeface="Courier"/>
                 <a:sym typeface="Courier New"/>
               </a:rPr>
-              <a:t>line.split</a:t>
+              <a:t>γραμμή</a:t>
             </a:r>
             <a:r>
               <a:rPr lang="en-US" sz="2800" dirty="0">
@@ -10369,7 +10397,7 @@
                 <a:cs typeface="Courier"/>
                 <a:sym typeface="Courier New"/>
               </a:rPr>
-              <a:t>()</a:t>
+              <a:t> in handle:</a:t>
             </a:r>
           </a:p>
           <a:p>
@@ -10389,18 +10417,10 @@
                 <a:cs typeface="Courier"/>
                 <a:sym typeface="Courier New"/>
               </a:rPr>
-              <a:t>    for word in words:</a:t>
-            </a:r>
-          </a:p>
-          <a:p>
-            <a:pPr lvl="0">
-              <a:buClr>
-                <a:srgbClr val="00FF00"/>
-              </a:buClr>
-              <a:buSzPct val="25000"/>
-            </a:pPr>
-            <a:r>
-              <a:rPr lang="en-US" sz="2800" dirty="0">
+              <a:t>    </a:t>
+            </a:r>
+            <a:r>
+              <a:rPr lang="el-GR" sz="2800" dirty="0">
                 <a:solidFill>
                   <a:srgbClr val="FF00FF"/>
                 </a:solidFill>
@@ -10409,10 +10429,10 @@
                 <a:cs typeface="Courier"/>
                 <a:sym typeface="Courier New"/>
               </a:rPr>
-              <a:t>        counts[word] = </a:t>
-            </a:r>
-            <a:r>
-              <a:rPr lang="en-US" sz="2800" dirty="0" err="1">
+              <a:t>λέξεις</a:t>
+            </a:r>
+            <a:r>
+              <a:rPr lang="en-US" sz="2800" dirty="0">
                 <a:solidFill>
                   <a:srgbClr val="FF00FF"/>
                 </a:solidFill>
@@ -10421,10 +10441,10 @@
                 <a:cs typeface="Courier"/>
                 <a:sym typeface="Courier New"/>
               </a:rPr>
-              <a:t>counts.get</a:t>
-            </a:r>
-            <a:r>
-              <a:rPr lang="en-US" sz="2800" dirty="0">
+              <a:t> = </a:t>
+            </a:r>
+            <a:r>
+              <a:rPr lang="el-GR" sz="2800" dirty="0">
                 <a:solidFill>
                   <a:srgbClr val="FF00FF"/>
                 </a:solidFill>
@@ -10433,7 +10453,191 @@
                 <a:cs typeface="Courier"/>
                 <a:sym typeface="Courier New"/>
               </a:rPr>
-              <a:t>(word,0) + 1</a:t>
+              <a:t>γραμμή</a:t>
+            </a:r>
+            <a:r>
+              <a:rPr lang="en-US" sz="2800" dirty="0">
+                <a:solidFill>
+                  <a:srgbClr val="FF00FF"/>
+                </a:solidFill>
+                <a:latin typeface="Courier"/>
+                <a:ea typeface="Courier"/>
+                <a:cs typeface="Courier"/>
+                <a:sym typeface="Courier New"/>
+              </a:rPr>
+              <a:t>.split()</a:t>
+            </a:r>
+          </a:p>
+          <a:p>
+            <a:pPr lvl="0">
+              <a:buClr>
+                <a:srgbClr val="00FF00"/>
+              </a:buClr>
+              <a:buSzPct val="25000"/>
+            </a:pPr>
+            <a:r>
+              <a:rPr lang="en-US" sz="2800" dirty="0">
+                <a:solidFill>
+                  <a:srgbClr val="FF00FF"/>
+                </a:solidFill>
+                <a:latin typeface="Courier"/>
+                <a:ea typeface="Courier"/>
+                <a:cs typeface="Courier"/>
+                <a:sym typeface="Courier New"/>
+              </a:rPr>
+              <a:t>    for </a:t>
+            </a:r>
+            <a:r>
+              <a:rPr lang="el-GR" sz="2800" dirty="0">
+                <a:solidFill>
+                  <a:srgbClr val="FF00FF"/>
+                </a:solidFill>
+                <a:latin typeface="Courier"/>
+                <a:ea typeface="Courier"/>
+                <a:cs typeface="Courier"/>
+                <a:sym typeface="Courier New"/>
+              </a:rPr>
+              <a:t>λέξη</a:t>
+            </a:r>
+            <a:r>
+              <a:rPr lang="en-US" sz="2800" dirty="0">
+                <a:solidFill>
+                  <a:srgbClr val="FF00FF"/>
+                </a:solidFill>
+                <a:latin typeface="Courier"/>
+                <a:ea typeface="Courier"/>
+                <a:cs typeface="Courier"/>
+                <a:sym typeface="Courier New"/>
+              </a:rPr>
+              <a:t> in </a:t>
+            </a:r>
+            <a:r>
+              <a:rPr lang="el-GR" sz="2800" dirty="0">
+                <a:solidFill>
+                  <a:srgbClr val="FF00FF"/>
+                </a:solidFill>
+                <a:latin typeface="Courier"/>
+                <a:ea typeface="Courier"/>
+                <a:cs typeface="Courier"/>
+                <a:sym typeface="Courier New"/>
+              </a:rPr>
+              <a:t>λέξεις</a:t>
+            </a:r>
+            <a:r>
+              <a:rPr lang="en-US" sz="2800" dirty="0">
+                <a:solidFill>
+                  <a:srgbClr val="FF00FF"/>
+                </a:solidFill>
+                <a:latin typeface="Courier"/>
+                <a:ea typeface="Courier"/>
+                <a:cs typeface="Courier"/>
+                <a:sym typeface="Courier New"/>
+              </a:rPr>
+              <a:t>:</a:t>
+            </a:r>
+          </a:p>
+          <a:p>
+            <a:pPr lvl="0">
+              <a:buClr>
+                <a:srgbClr val="00FF00"/>
+              </a:buClr>
+              <a:buSzPct val="25000"/>
+            </a:pPr>
+            <a:r>
+              <a:rPr lang="el-GR" sz="2800" dirty="0">
+                <a:solidFill>
+                  <a:srgbClr val="FF00FF"/>
+                </a:solidFill>
+                <a:latin typeface="Courier"/>
+                <a:ea typeface="Courier"/>
+                <a:cs typeface="Courier"/>
+                <a:sym typeface="Courier New"/>
+              </a:rPr>
+              <a:t>		πλήθη</a:t>
+            </a:r>
+            <a:r>
+              <a:rPr lang="en-US" sz="2800" dirty="0">
+                <a:solidFill>
+                  <a:srgbClr val="FF00FF"/>
+                </a:solidFill>
+                <a:latin typeface="Courier"/>
+                <a:ea typeface="Courier"/>
+                <a:cs typeface="Courier"/>
+                <a:sym typeface="Courier New"/>
+              </a:rPr>
+              <a:t>[</a:t>
+            </a:r>
+            <a:r>
+              <a:rPr lang="el-GR" sz="2800" dirty="0">
+                <a:solidFill>
+                  <a:srgbClr val="FF00FF"/>
+                </a:solidFill>
+                <a:latin typeface="Courier"/>
+                <a:ea typeface="Courier"/>
+                <a:cs typeface="Courier"/>
+                <a:sym typeface="Courier New"/>
+              </a:rPr>
+              <a:t>λέξη</a:t>
+            </a:r>
+            <a:r>
+              <a:rPr lang="en-US" sz="2800" dirty="0">
+                <a:solidFill>
+                  <a:srgbClr val="FF00FF"/>
+                </a:solidFill>
+                <a:latin typeface="Courier"/>
+                <a:ea typeface="Courier"/>
+                <a:cs typeface="Courier"/>
+                <a:sym typeface="Courier New"/>
+              </a:rPr>
+              <a:t>] = </a:t>
+            </a:r>
+            <a:r>
+              <a:rPr lang="el-GR" sz="2800" dirty="0">
+                <a:solidFill>
+                  <a:srgbClr val="FF00FF"/>
+                </a:solidFill>
+                <a:latin typeface="Courier"/>
+                <a:ea typeface="Courier"/>
+                <a:cs typeface="Courier"/>
+                <a:sym typeface="Courier New"/>
+              </a:rPr>
+              <a:t>πλήθη</a:t>
+            </a:r>
+            <a:r>
+              <a:rPr lang="en-US" sz="2800" dirty="0">
+                <a:solidFill>
+                  <a:srgbClr val="FF00FF"/>
+                </a:solidFill>
+                <a:latin typeface="Courier"/>
+                <a:ea typeface="Courier"/>
+                <a:cs typeface="Courier"/>
+                <a:sym typeface="Courier New"/>
+              </a:rPr>
+              <a:t>.get(</a:t>
+            </a:r>
+            <a:r>
+              <a:rPr lang="el-GR" sz="2800" dirty="0">
+                <a:solidFill>
+                  <a:srgbClr val="FF00FF"/>
+                </a:solidFill>
+                <a:latin typeface="Courier"/>
+                <a:ea typeface="Courier"/>
+                <a:cs typeface="Courier"/>
+                <a:sym typeface="Courier New"/>
+              </a:rPr>
+              <a:t>λέξη</a:t>
+            </a:r>
+            <a:r>
+              <a:rPr lang="en-US" sz="2800" dirty="0">
+                <a:solidFill>
+                  <a:srgbClr val="FF00FF"/>
+                </a:solidFill>
+                <a:latin typeface="Courier"/>
+                <a:ea typeface="Courier"/>
+                <a:cs typeface="Courier"/>
+                <a:sym typeface="Courier New"/>
+              </a:rPr>
+              <a:t>,0) + 1</a:t>
             </a:r>
           </a:p>
           <a:p>
@@ -10460,7 +10664,7 @@
               <a:buSzPct val="25000"/>
             </a:pPr>
             <a:r>
-              <a:rPr lang="en-US" sz="2800" dirty="0" err="1">
+              <a:rPr lang="en-US" sz="2800" dirty="0">
                 <a:solidFill>
                   <a:srgbClr val="00FFFF"/>
                 </a:solidFill>
@@ -10469,10 +10673,10 @@
                 <a:cs typeface="Courier"/>
                 <a:sym typeface="Courier New"/>
               </a:rPr>
-              <a:t>bigcount</a:t>
-            </a:r>
-            <a:r>
-              <a:rPr lang="en-US" sz="2800" dirty="0">
+              <a:t>max</a:t>
+            </a:r>
+            <a:r>
+              <a:rPr lang="el-GR" sz="2800" dirty="0">
                 <a:solidFill>
                   <a:srgbClr val="00FFFF"/>
                 </a:solidFill>
@@ -10481,18 +10685,10 @@
                 <a:cs typeface="Courier"/>
                 <a:sym typeface="Courier New"/>
               </a:rPr>
-              <a:t> = None</a:t>
-            </a:r>
-          </a:p>
-          <a:p>
-            <a:pPr lvl="0">
-              <a:buClr>
-                <a:srgbClr val="00FF00"/>
-              </a:buClr>
-              <a:buSzPct val="25000"/>
-            </a:pPr>
-            <a:r>
-              <a:rPr lang="en-US" sz="2800" dirty="0" err="1">
+              <a:t>πλήθος</a:t>
+            </a:r>
+            <a:r>
+              <a:rPr lang="en-US" sz="2800" dirty="0">
                 <a:solidFill>
                   <a:srgbClr val="00FFFF"/>
                 </a:solidFill>
@@ -10501,8 +10697,16 @@
                 <a:cs typeface="Courier"/>
                 <a:sym typeface="Courier New"/>
               </a:rPr>
-              <a:t>bigword</a:t>
-            </a:r>
+              <a:t> = None</a:t>
+            </a:r>
+          </a:p>
+          <a:p>
+            <a:pPr lvl="0">
+              <a:buClr>
+                <a:srgbClr val="00FF00"/>
+              </a:buClr>
+              <a:buSzPct val="25000"/>
+            </a:pPr>
             <a:r>
               <a:rPr lang="en-US" sz="2800" dirty="0">
                 <a:solidFill>
@@ -10513,18 +10717,10 @@
                 <a:cs typeface="Courier"/>
                 <a:sym typeface="Courier New"/>
               </a:rPr>
-              <a:t> = None</a:t>
-            </a:r>
-          </a:p>
-          <a:p>
-            <a:pPr lvl="0">
-              <a:buClr>
-                <a:srgbClr val="00FF00"/>
-              </a:buClr>
-              <a:buSzPct val="25000"/>
-            </a:pPr>
-            <a:r>
-              <a:rPr lang="en-US" sz="2800" dirty="0">
+              <a:t>max</a:t>
+            </a:r>
+            <a:r>
+              <a:rPr lang="el-GR" sz="2800" dirty="0">
                 <a:solidFill>
                   <a:srgbClr val="00FFFF"/>
                 </a:solidFill>
@@ -10533,10 +10729,10 @@
                 <a:cs typeface="Courier"/>
                 <a:sym typeface="Courier New"/>
               </a:rPr>
-              <a:t>for </a:t>
-            </a:r>
-            <a:r>
-              <a:rPr lang="en-US" sz="2800" dirty="0" err="1">
+              <a:t>λέξη</a:t>
+            </a:r>
+            <a:r>
+              <a:rPr lang="en-US" sz="2800" dirty="0">
                 <a:solidFill>
                   <a:srgbClr val="00FFFF"/>
                 </a:solidFill>
@@ -10545,8 +10741,16 @@
                 <a:cs typeface="Courier"/>
                 <a:sym typeface="Courier New"/>
               </a:rPr>
-              <a:t>word,count</a:t>
-            </a:r>
+              <a:t> = None</a:t>
+            </a:r>
+          </a:p>
+          <a:p>
+            <a:pPr lvl="0">
+              <a:buClr>
+                <a:srgbClr val="00FF00"/>
+              </a:buClr>
+              <a:buSzPct val="25000"/>
+            </a:pPr>
             <a:r>
               <a:rPr lang="en-US" sz="2800" dirty="0">
                 <a:solidFill>
@@ -10557,10 +10761,10 @@
                 <a:cs typeface="Courier"/>
                 <a:sym typeface="Courier New"/>
               </a:rPr>
-              <a:t> in </a:t>
-            </a:r>
-            <a:r>
-              <a:rPr lang="en-US" sz="2800" dirty="0" err="1">
+              <a:t>for </a:t>
+            </a:r>
+            <a:r>
+              <a:rPr lang="el-GR" sz="2800" dirty="0">
                 <a:solidFill>
                   <a:srgbClr val="00FFFF"/>
                 </a:solidFill>
@@ -10569,7 +10773,7 @@
                 <a:cs typeface="Courier"/>
                 <a:sym typeface="Courier New"/>
               </a:rPr>
-              <a:t>counts.items</a:t>
+              <a:t>λέξη</a:t>
             </a:r>
             <a:r>
               <a:rPr lang="en-US" sz="2800" dirty="0">
@@ -10581,18 +10785,10 @@
                 <a:cs typeface="Courier"/>
                 <a:sym typeface="Courier New"/>
               </a:rPr>
-              <a:t>():</a:t>
-            </a:r>
-          </a:p>
-          <a:p>
-            <a:pPr lvl="0">
-              <a:buClr>
-                <a:srgbClr val="00FF00"/>
-              </a:buClr>
-              <a:buSzPct val="25000"/>
-            </a:pPr>
-            <a:r>
-              <a:rPr lang="en-US" sz="2800" dirty="0">
+              <a:t>,</a:t>
+            </a:r>
+            <a:r>
+              <a:rPr lang="el-GR" sz="2800" dirty="0">
                 <a:solidFill>
                   <a:srgbClr val="00FFFF"/>
                 </a:solidFill>
@@ -10601,10 +10797,10 @@
                 <a:cs typeface="Courier"/>
                 <a:sym typeface="Courier New"/>
               </a:rPr>
-              <a:t>    if </a:t>
-            </a:r>
-            <a:r>
-              <a:rPr lang="en-US" sz="2800" dirty="0" err="1">
+              <a:t>πλήθος</a:t>
+            </a:r>
+            <a:r>
+              <a:rPr lang="en-US" sz="2800" dirty="0">
                 <a:solidFill>
                   <a:srgbClr val="00FFFF"/>
                 </a:solidFill>
@@ -10613,10 +10809,10 @@
                 <a:cs typeface="Courier"/>
                 <a:sym typeface="Courier New"/>
               </a:rPr>
-              <a:t>bigcount</a:t>
-            </a:r>
-            <a:r>
-              <a:rPr lang="en-US" sz="2800" dirty="0">
+              <a:t> in </a:t>
+            </a:r>
+            <a:r>
+              <a:rPr lang="el-GR" sz="2800" dirty="0">
                 <a:solidFill>
                   <a:srgbClr val="00FFFF"/>
                 </a:solidFill>
@@ -10625,10 +10821,10 @@
                 <a:cs typeface="Courier"/>
                 <a:sym typeface="Courier New"/>
               </a:rPr>
-              <a:t> is None or count &gt; </a:t>
-            </a:r>
-            <a:r>
-              <a:rPr lang="en-US" sz="2800" dirty="0" err="1">
+              <a:t>πλήθη</a:t>
+            </a:r>
+            <a:r>
+              <a:rPr lang="en-US" sz="2800" dirty="0">
                 <a:solidFill>
                   <a:srgbClr val="00FFFF"/>
                 </a:solidFill>
@@ -10637,8 +10833,16 @@
                 <a:cs typeface="Courier"/>
                 <a:sym typeface="Courier New"/>
               </a:rPr>
-              <a:t>bigcount</a:t>
-            </a:r>
+              <a:t>.items():</a:t>
+            </a:r>
+          </a:p>
+          <a:p>
+            <a:pPr lvl="0">
+              <a:buClr>
+                <a:srgbClr val="00FF00"/>
+              </a:buClr>
+              <a:buSzPct val="25000"/>
+            </a:pPr>
             <a:r>
               <a:rPr lang="en-US" sz="2800" dirty="0">
                 <a:solidFill>
@@ -10649,18 +10853,10 @@
                 <a:cs typeface="Courier"/>
                 <a:sym typeface="Courier New"/>
               </a:rPr>
-              <a:t>:</a:t>
-            </a:r>
-          </a:p>
-          <a:p>
-            <a:pPr lvl="0">
-              <a:buClr>
-                <a:srgbClr val="00FF00"/>
-              </a:buClr>
-              <a:buSzPct val="25000"/>
-            </a:pPr>
-            <a:r>
-              <a:rPr lang="en-US" sz="2800" dirty="0">
+              <a:t>    if max</a:t>
+            </a:r>
+            <a:r>
+              <a:rPr lang="el-GR" sz="2800" dirty="0">
                 <a:solidFill>
                   <a:srgbClr val="00FFFF"/>
                 </a:solidFill>
@@ -10669,10 +10865,10 @@
                 <a:cs typeface="Courier"/>
                 <a:sym typeface="Courier New"/>
               </a:rPr>
-              <a:t>        </a:t>
-            </a:r>
-            <a:r>
-              <a:rPr lang="en-US" sz="2800" dirty="0" err="1">
+              <a:t>πλήθος</a:t>
+            </a:r>
+            <a:r>
+              <a:rPr lang="en-US" sz="2800" dirty="0">
                 <a:solidFill>
                   <a:srgbClr val="00FFFF"/>
                 </a:solidFill>
@@ -10681,10 +10877,10 @@
                 <a:cs typeface="Courier"/>
                 <a:sym typeface="Courier New"/>
               </a:rPr>
-              <a:t>bigword</a:t>
-            </a:r>
-            <a:r>
-              <a:rPr lang="en-US" sz="2800" dirty="0">
+              <a:t> is None or </a:t>
+            </a:r>
+            <a:r>
+              <a:rPr lang="el-GR" sz="2800" dirty="0">
                 <a:solidFill>
                   <a:srgbClr val="00FFFF"/>
                 </a:solidFill>
@@ -10693,16 +10889,8 @@
                 <a:cs typeface="Courier"/>
                 <a:sym typeface="Courier New"/>
               </a:rPr>
-              <a:t> = word</a:t>
-            </a:r>
-          </a:p>
-          <a:p>
-            <a:pPr lvl="0">
-              <a:buClr>
-                <a:srgbClr val="00FF00"/>
-              </a:buClr>
-              <a:buSzPct val="25000"/>
-            </a:pPr>
+              <a:t>πλήθος</a:t>
+            </a:r>
             <a:r>
               <a:rPr lang="en-US" sz="2800" dirty="0">
                 <a:solidFill>
@@ -10713,10 +10901,10 @@
                 <a:cs typeface="Courier"/>
                 <a:sym typeface="Courier New"/>
               </a:rPr>
-              <a:t>        </a:t>
-            </a:r>
-            <a:r>
-              <a:rPr lang="en-US" sz="2800" dirty="0" err="1">
+              <a:t> &gt; max</a:t>
+            </a:r>
+            <a:r>
+              <a:rPr lang="el-GR" sz="2800" dirty="0">
                 <a:solidFill>
                   <a:srgbClr val="00FFFF"/>
                 </a:solidFill>
@@ -10725,7 +10913,7 @@
                 <a:cs typeface="Courier"/>
                 <a:sym typeface="Courier New"/>
               </a:rPr>
-              <a:t>bigcount</a:t>
+              <a:t>πλήθος </a:t>
             </a:r>
             <a:r>
               <a:rPr lang="en-US" sz="2800" dirty="0">
@@ -10737,8 +10925,162 @@
                 <a:cs typeface="Courier"/>
                 <a:sym typeface="Courier New"/>
               </a:rPr>
-              <a:t> = count</a:t>
-            </a:r>
+              <a:t>:</a:t>
+            </a:r>
+          </a:p>
+          <a:p>
+            <a:pPr lvl="0">
+              <a:buClr>
+                <a:srgbClr val="00FF00"/>
+              </a:buClr>
+              <a:buSzPct val="25000"/>
+            </a:pPr>
+            <a:r>
+              <a:rPr lang="el-GR" sz="2800" dirty="0">
+                <a:solidFill>
+                  <a:srgbClr val="00FFFF"/>
+                </a:solidFill>
+                <a:latin typeface="Courier"/>
+                <a:ea typeface="Courier"/>
+                <a:cs typeface="Courier"/>
+                <a:sym typeface="Courier New"/>
+              </a:rPr>
+              <a:t>		</a:t>
+            </a:r>
+            <a:r>
+              <a:rPr lang="en-US" sz="2800" dirty="0">
+                <a:solidFill>
+                  <a:srgbClr val="00FFFF"/>
+                </a:solidFill>
+                <a:latin typeface="Courier"/>
+                <a:ea typeface="Courier"/>
+                <a:cs typeface="Courier"/>
+                <a:sym typeface="Courier New"/>
+              </a:rPr>
+              <a:t>max</a:t>
+            </a:r>
+            <a:r>
+              <a:rPr lang="el-GR" sz="2800" dirty="0">
+                <a:solidFill>
+                  <a:srgbClr val="00FFFF"/>
+                </a:solidFill>
+                <a:latin typeface="Courier"/>
+                <a:ea typeface="Courier"/>
+                <a:cs typeface="Courier"/>
+                <a:sym typeface="Courier New"/>
+              </a:rPr>
+              <a:t>λέξη</a:t>
+            </a:r>
+            <a:r>
+              <a:rPr lang="en-US" sz="2800" dirty="0">
+                <a:solidFill>
+                  <a:srgbClr val="00FFFF"/>
+                </a:solidFill>
+                <a:latin typeface="Courier"/>
+                <a:ea typeface="Courier"/>
+                <a:cs typeface="Courier"/>
+                <a:sym typeface="Courier New"/>
+              </a:rPr>
+              <a:t> = </a:t>
+            </a:r>
+            <a:r>
+              <a:rPr lang="el-GR" sz="2800" dirty="0">
+                <a:solidFill>
+                  <a:srgbClr val="00FFFF"/>
+                </a:solidFill>
+                <a:latin typeface="Courier"/>
+                <a:ea typeface="Courier"/>
+                <a:cs typeface="Courier"/>
+                <a:sym typeface="Courier New"/>
+              </a:rPr>
+              <a:t>λέξη</a:t>
+            </a:r>
+            <a:endParaRPr lang="en-US" sz="2800" dirty="0">
+              <a:solidFill>
+                <a:srgbClr val="00FFFF"/>
+              </a:solidFill>
+              <a:latin typeface="Courier"/>
+              <a:ea typeface="Courier"/>
+              <a:cs typeface="Courier"/>
+              <a:sym typeface="Courier New"/>
+            </a:endParaRPr>
+          </a:p>
+          <a:p>
+            <a:pPr lvl="0">
+              <a:buClr>
+                <a:srgbClr val="00FF00"/>
+              </a:buClr>
+              <a:buSzPct val="25000"/>
+            </a:pPr>
+            <a:r>
+              <a:rPr lang="el-GR" sz="2800" dirty="0">
+                <a:solidFill>
+                  <a:srgbClr val="00FFFF"/>
+                </a:solidFill>
+                <a:latin typeface="Courier"/>
+                <a:ea typeface="Courier"/>
+                <a:cs typeface="Courier"/>
+                <a:sym typeface="Courier New"/>
+              </a:rPr>
+              <a:t>		</a:t>
+            </a:r>
+            <a:r>
+              <a:rPr lang="en-US" sz="2800" dirty="0">
+                <a:solidFill>
+                  <a:srgbClr val="00FFFF"/>
+                </a:solidFill>
+                <a:latin typeface="Courier"/>
+                <a:ea typeface="Courier"/>
+                <a:cs typeface="Courier"/>
+                <a:sym typeface="Courier New"/>
+              </a:rPr>
+              <a:t>max</a:t>
+            </a:r>
+            <a:r>
+              <a:rPr lang="el-GR" sz="2800" dirty="0">
+                <a:solidFill>
+                  <a:srgbClr val="00FFFF"/>
+                </a:solidFill>
+                <a:latin typeface="Courier"/>
+                <a:ea typeface="Courier"/>
+                <a:cs typeface="Courier"/>
+                <a:sym typeface="Courier New"/>
+              </a:rPr>
+              <a:t>πλήθος</a:t>
+            </a:r>
+            <a:r>
+              <a:rPr lang="en-US" sz="2800" dirty="0">
+                <a:solidFill>
+                  <a:srgbClr val="00FFFF"/>
+                </a:solidFill>
+                <a:latin typeface="Courier"/>
+                <a:ea typeface="Courier"/>
+                <a:cs typeface="Courier"/>
+                <a:sym typeface="Courier New"/>
+              </a:rPr>
+              <a:t> = </a:t>
+            </a:r>
+            <a:r>
+              <a:rPr lang="el-GR" sz="2800" dirty="0">
+                <a:solidFill>
+                  <a:srgbClr val="00FFFF"/>
+                </a:solidFill>
+                <a:latin typeface="Courier"/>
+                <a:ea typeface="Courier"/>
+                <a:cs typeface="Courier"/>
+                <a:sym typeface="Courier New"/>
+              </a:rPr>
+              <a:t>πλήθος</a:t>
+            </a:r>
+            <a:endParaRPr lang="en-US" sz="2800" dirty="0">
+              <a:solidFill>
+                <a:srgbClr val="00FFFF"/>
+              </a:solidFill>
+              <a:latin typeface="Courier"/>
+              <a:ea typeface="Courier"/>
+              <a:cs typeface="Courier"/>
+              <a:sym typeface="Courier New"/>
+            </a:endParaRPr>
           </a:p>
           <a:p>
             <a:pPr lvl="0">
@@ -10773,10 +11115,10 @@
                 <a:cs typeface="Courier"/>
                 <a:sym typeface="Courier New"/>
               </a:rPr>
-              <a:t>print(</a:t>
-            </a:r>
-            <a:r>
-              <a:rPr lang="en-US" sz="2800" dirty="0" err="1">
+              <a:t>print(max</a:t>
+            </a:r>
+            <a:r>
+              <a:rPr lang="el-GR" sz="2800" dirty="0">
                 <a:solidFill>
                   <a:srgbClr val="FF7F00"/>
                 </a:solidFill>
@@ -10785,7 +11127,7 @@
                 <a:cs typeface="Courier"/>
                 <a:sym typeface="Courier New"/>
               </a:rPr>
-              <a:t>bigword</a:t>
+              <a:t>λέξη</a:t>
             </a:r>
             <a:r>
               <a:rPr lang="en-US" sz="2800" dirty="0">
@@ -10797,10 +11139,10 @@
                 <a:cs typeface="Courier"/>
                 <a:sym typeface="Courier New"/>
               </a:rPr>
-              <a:t>, </a:t>
-            </a:r>
-            <a:r>
-              <a:rPr lang="en-US" sz="2800" dirty="0" err="1">
+              <a:t>, max</a:t>
+            </a:r>
+            <a:r>
+              <a:rPr lang="el-GR" sz="2800" dirty="0">
                 <a:solidFill>
                   <a:srgbClr val="FF7F00"/>
                 </a:solidFill>
@@ -10809,7 +11151,7 @@
                 <a:cs typeface="Courier"/>
                 <a:sym typeface="Courier New"/>
               </a:rPr>
-              <a:t>bigcount</a:t>
+              <a:t>πλήθος</a:t>
             </a:r>
             <a:r>
               <a:rPr lang="en-US" sz="2800" dirty="0">
@@ -11006,7 +11348,7 @@
                 <a:cs typeface="Arial" charset="0"/>
                 <a:sym typeface="Cabin"/>
               </a:rPr>
-              <a:t> 16</a:t>
+              <a:t>to 16</a:t>
             </a:r>
           </a:p>
         </p:txBody>
@@ -11019,7 +11361,7 @@
         </p:nvSpPr>
         <p:spPr>
           <a:xfrm>
-            <a:off x="10101943" y="5447393"/>
+            <a:off x="10101943" y="6521450"/>
             <a:ext cx="5579107" cy="1689100"/>
           </a:xfrm>
           <a:prstGeom prst="rect">
@@ -11191,7 +11533,7 @@
                 <a:cs typeface="Arial" charset="0"/>
                 <a:sym typeface="Cabin"/>
               </a:rPr>
-              <a:t> 7</a:t>
+              <a:t>the 7</a:t>
             </a:r>
           </a:p>
         </p:txBody>
@@ -19911,8 +20253,8 @@
         </p:nvSpPr>
         <p:spPr>
           <a:xfrm>
-            <a:off x="419418" y="736781"/>
-            <a:ext cx="9839008" cy="7568120"/>
+            <a:off x="419417" y="736781"/>
+            <a:ext cx="10313539" cy="7568120"/>
           </a:xfrm>
           <a:prstGeom prst="rect">
             <a:avLst/>
@@ -19935,7 +20277,7 @@
               <a:buSzPct val="25000"/>
             </a:pPr>
             <a:r>
-              <a:rPr lang="en-US" sz="2800" dirty="0">
+              <a:rPr lang="el-GR" sz="2800" dirty="0">
                 <a:solidFill>
                   <a:srgbClr val="00FF00"/>
                 </a:solidFill>
@@ -19944,10 +20286,10 @@
                 <a:cs typeface="Courier"/>
                 <a:sym typeface="Courier New"/>
               </a:rPr>
-              <a:t>name = input('</a:t>
-            </a:r>
-            <a:r>
-              <a:rPr lang="el-GR" sz="2800" dirty="0">
+              <a:t>όνομα</a:t>
+            </a:r>
+            <a:r>
+              <a:rPr lang="en-US" sz="2800" dirty="0">
                 <a:solidFill>
                   <a:srgbClr val="00FF00"/>
                 </a:solidFill>
@@ -19956,10 +20298,10 @@
                 <a:cs typeface="Courier"/>
                 <a:sym typeface="Courier New"/>
               </a:rPr>
-              <a:t>Εισάγετε αρχείο</a:t>
-            </a:r>
-            <a:r>
-              <a:rPr lang="en-US" sz="2800" dirty="0">
+              <a:t> = input('</a:t>
+            </a:r>
+            <a:r>
+              <a:rPr lang="el-GR" sz="2800" dirty="0">
                 <a:solidFill>
                   <a:srgbClr val="00FF00"/>
                 </a:solidFill>
@@ -19968,16 +20310,8 @@
                 <a:cs typeface="Courier"/>
                 <a:sym typeface="Courier New"/>
               </a:rPr>
-              <a:t>:')</a:t>
-            </a:r>
-          </a:p>
-          <a:p>
-            <a:pPr lvl="0">
-              <a:buClr>
-                <a:srgbClr val="00FF00"/>
-              </a:buClr>
-              <a:buSzPct val="25000"/>
-            </a:pPr>
+              <a:t>Εισάγετε αρχείο</a:t>
+            </a:r>
             <a:r>
               <a:rPr lang="en-US" sz="2800" dirty="0">
                 <a:solidFill>
@@ -19988,7 +20322,51 @@
                 <a:cs typeface="Courier"/>
                 <a:sym typeface="Courier New"/>
               </a:rPr>
-              <a:t>handle = open(name)</a:t>
+              <a:t>:')</a:t>
+            </a:r>
+          </a:p>
+          <a:p>
+            <a:pPr lvl="0">
+              <a:buClr>
+                <a:srgbClr val="00FF00"/>
+              </a:buClr>
+              <a:buSzPct val="25000"/>
+            </a:pPr>
+            <a:r>
+              <a:rPr lang="en-US" sz="2800" dirty="0">
+                <a:solidFill>
+                  <a:srgbClr val="00FF00"/>
+                </a:solidFill>
+                <a:latin typeface="Courier"/>
+                <a:ea typeface="Courier"/>
+                <a:cs typeface="Courier"/>
+                <a:sym typeface="Courier New"/>
+              </a:rPr>
+              <a:t>handle = open(</a:t>
+            </a:r>
+            <a:r>
+              <a:rPr lang="el-GR" sz="2800" dirty="0">
+                <a:solidFill>
+                  <a:srgbClr val="00FF00"/>
+                </a:solidFill>
+                <a:latin typeface="Courier"/>
+                <a:ea typeface="Courier"/>
+                <a:cs typeface="Courier"/>
+                <a:sym typeface="Courier New"/>
+              </a:rPr>
+              <a:t>όνομα</a:t>
+            </a:r>
+            <a:r>
+              <a:rPr lang="en-US" sz="2800" dirty="0">
+                <a:solidFill>
+                  <a:srgbClr val="00FF00"/>
+                </a:solidFill>
+                <a:latin typeface="Courier"/>
+                <a:ea typeface="Courier"/>
+                <a:cs typeface="Courier"/>
+                <a:sym typeface="Courier New"/>
+              </a:rPr>
+              <a:t>)</a:t>
             </a:r>
           </a:p>
           <a:p>
@@ -20011,7 +20389,7 @@
               <a:buSzPct val="25000"/>
             </a:pPr>
             <a:r>
-              <a:rPr lang="en-US" sz="2800" dirty="0">
+              <a:rPr lang="el-GR" sz="2800" dirty="0">
                 <a:solidFill>
                   <a:srgbClr val="FF00FF"/>
                 </a:solidFill>
@@ -20020,10 +20398,10 @@
                 <a:cs typeface="Courier"/>
                 <a:sym typeface="Courier New"/>
               </a:rPr>
-              <a:t>counts = </a:t>
-            </a:r>
-            <a:r>
-              <a:rPr lang="en-US" sz="2800" dirty="0" err="1">
+              <a:t>πλήθη</a:t>
+            </a:r>
+            <a:r>
+              <a:rPr lang="en-US" sz="2800" dirty="0">
                 <a:solidFill>
                   <a:srgbClr val="FF00FF"/>
                 </a:solidFill>
@@ -20032,10 +20410,10 @@
                 <a:cs typeface="Courier"/>
                 <a:sym typeface="Courier New"/>
               </a:rPr>
-              <a:t>dict</a:t>
-            </a:r>
-            <a:r>
-              <a:rPr lang="en-US" sz="2800" dirty="0">
+              <a:t> = </a:t>
+            </a:r>
+            <a:r>
+              <a:rPr lang="en-US" sz="2800" dirty="0" err="1">
                 <a:solidFill>
                   <a:srgbClr val="FF00FF"/>
                 </a:solidFill>
@@ -20044,16 +20422,8 @@
                 <a:cs typeface="Courier"/>
                 <a:sym typeface="Courier New"/>
               </a:rPr>
-              <a:t>()</a:t>
-            </a:r>
-          </a:p>
-          <a:p>
-            <a:pPr lvl="0">
-              <a:buClr>
-                <a:srgbClr val="00FF00"/>
-              </a:buClr>
-              <a:buSzPct val="25000"/>
-            </a:pPr>
+              <a:t>dict</a:t>
+            </a:r>
             <a:r>
               <a:rPr lang="en-US" sz="2800" dirty="0">
                 <a:solidFill>
@@ -20064,7 +20434,7 @@
                 <a:cs typeface="Courier"/>
                 <a:sym typeface="Courier New"/>
               </a:rPr>
-              <a:t>for line in handle:</a:t>
+              <a:t>()</a:t>
             </a:r>
           </a:p>
           <a:p>
@@ -20084,10 +20454,10 @@
                 <a:cs typeface="Courier"/>
                 <a:sym typeface="Courier New"/>
               </a:rPr>
-              <a:t>    words = </a:t>
-            </a:r>
-            <a:r>
-              <a:rPr lang="en-US" sz="2800" dirty="0" err="1">
+              <a:t>for </a:t>
+            </a:r>
+            <a:r>
+              <a:rPr lang="el-GR" sz="2800" dirty="0">
                 <a:solidFill>
                   <a:srgbClr val="FF00FF"/>
                 </a:solidFill>
@@ -20096,7 +20466,7 @@
                 <a:cs typeface="Courier"/>
                 <a:sym typeface="Courier New"/>
               </a:rPr>
-              <a:t>line.split</a:t>
+              <a:t>γραμμή</a:t>
             </a:r>
             <a:r>
               <a:rPr lang="en-US" sz="2800" dirty="0">
@@ -20108,7 +20478,7 @@
                 <a:cs typeface="Courier"/>
                 <a:sym typeface="Courier New"/>
               </a:rPr>
-              <a:t>()</a:t>
+              <a:t> in handle:</a:t>
             </a:r>
           </a:p>
           <a:p>
@@ -20128,18 +20498,10 @@
                 <a:cs typeface="Courier"/>
                 <a:sym typeface="Courier New"/>
               </a:rPr>
-              <a:t>    for word in words:</a:t>
-            </a:r>
-          </a:p>
-          <a:p>
-            <a:pPr lvl="0">
-              <a:buClr>
-                <a:srgbClr val="00FF00"/>
-              </a:buClr>
-              <a:buSzPct val="25000"/>
-            </a:pPr>
-            <a:r>
-              <a:rPr lang="en-US" sz="2800" dirty="0">
+              <a:t>    </a:t>
+            </a:r>
+            <a:r>
+              <a:rPr lang="el-GR" sz="2800" dirty="0">
                 <a:solidFill>
                   <a:srgbClr val="FF00FF"/>
                 </a:solidFill>
@@ -20148,10 +20510,10 @@
                 <a:cs typeface="Courier"/>
                 <a:sym typeface="Courier New"/>
               </a:rPr>
-              <a:t>        counts[word] = </a:t>
-            </a:r>
-            <a:r>
-              <a:rPr lang="en-US" sz="2800" dirty="0" err="1">
+              <a:t>λέξεις</a:t>
+            </a:r>
+            <a:r>
+              <a:rPr lang="en-US" sz="2800" dirty="0">
                 <a:solidFill>
                   <a:srgbClr val="FF00FF"/>
                 </a:solidFill>
@@ -20160,10 +20522,10 @@
                 <a:cs typeface="Courier"/>
                 <a:sym typeface="Courier New"/>
               </a:rPr>
-              <a:t>counts.get</a:t>
-            </a:r>
-            <a:r>
-              <a:rPr lang="en-US" sz="2800" dirty="0">
+              <a:t> = </a:t>
+            </a:r>
+            <a:r>
+              <a:rPr lang="el-GR" sz="2800" dirty="0">
                 <a:solidFill>
                   <a:srgbClr val="FF00FF"/>
                 </a:solidFill>
@@ -20172,7 +20534,191 @@
                 <a:cs typeface="Courier"/>
                 <a:sym typeface="Courier New"/>
               </a:rPr>
-              <a:t>(word,0) + 1</a:t>
+              <a:t>γραμμή</a:t>
+            </a:r>
+            <a:r>
+              <a:rPr lang="en-US" sz="2800" dirty="0">
+                <a:solidFill>
+                  <a:srgbClr val="FF00FF"/>
+                </a:solidFill>
+                <a:latin typeface="Courier"/>
+                <a:ea typeface="Courier"/>
+                <a:cs typeface="Courier"/>
+                <a:sym typeface="Courier New"/>
+              </a:rPr>
+              <a:t>.split()</a:t>
+            </a:r>
+          </a:p>
+          <a:p>
+            <a:pPr lvl="0">
+              <a:buClr>
+                <a:srgbClr val="00FF00"/>
+              </a:buClr>
+              <a:buSzPct val="25000"/>
+            </a:pPr>
+            <a:r>
+              <a:rPr lang="en-US" sz="2800" dirty="0">
+                <a:solidFill>
+                  <a:srgbClr val="FF00FF"/>
+                </a:solidFill>
+                <a:latin typeface="Courier"/>
+                <a:ea typeface="Courier"/>
+                <a:cs typeface="Courier"/>
+                <a:sym typeface="Courier New"/>
+              </a:rPr>
+              <a:t>    for </a:t>
+            </a:r>
+            <a:r>
+              <a:rPr lang="el-GR" sz="2800" dirty="0">
+                <a:solidFill>
+                  <a:srgbClr val="FF00FF"/>
+                </a:solidFill>
+                <a:latin typeface="Courier"/>
+                <a:ea typeface="Courier"/>
+                <a:cs typeface="Courier"/>
+                <a:sym typeface="Courier New"/>
+              </a:rPr>
+              <a:t>λέξη</a:t>
+            </a:r>
+            <a:r>
+              <a:rPr lang="en-US" sz="2800" dirty="0">
+                <a:solidFill>
+                  <a:srgbClr val="FF00FF"/>
+                </a:solidFill>
+                <a:latin typeface="Courier"/>
+                <a:ea typeface="Courier"/>
+                <a:cs typeface="Courier"/>
+                <a:sym typeface="Courier New"/>
+              </a:rPr>
+              <a:t> in </a:t>
+            </a:r>
+            <a:r>
+              <a:rPr lang="el-GR" sz="2800" dirty="0">
+                <a:solidFill>
+                  <a:srgbClr val="FF00FF"/>
+                </a:solidFill>
+                <a:latin typeface="Courier"/>
+                <a:ea typeface="Courier"/>
+                <a:cs typeface="Courier"/>
+                <a:sym typeface="Courier New"/>
+              </a:rPr>
+              <a:t>λέξεις</a:t>
+            </a:r>
+            <a:r>
+              <a:rPr lang="en-US" sz="2800" dirty="0">
+                <a:solidFill>
+                  <a:srgbClr val="FF00FF"/>
+                </a:solidFill>
+                <a:latin typeface="Courier"/>
+                <a:ea typeface="Courier"/>
+                <a:cs typeface="Courier"/>
+                <a:sym typeface="Courier New"/>
+              </a:rPr>
+              <a:t>:</a:t>
+            </a:r>
+          </a:p>
+          <a:p>
+            <a:pPr lvl="0">
+              <a:buClr>
+                <a:srgbClr val="00FF00"/>
+              </a:buClr>
+              <a:buSzPct val="25000"/>
+            </a:pPr>
+            <a:r>
+              <a:rPr lang="el-GR" sz="2800" dirty="0">
+                <a:solidFill>
+                  <a:srgbClr val="FF00FF"/>
+                </a:solidFill>
+                <a:latin typeface="Courier"/>
+                <a:ea typeface="Courier"/>
+                <a:cs typeface="Courier"/>
+                <a:sym typeface="Courier New"/>
+              </a:rPr>
+              <a:t>		πλήθη</a:t>
+            </a:r>
+            <a:r>
+              <a:rPr lang="en-US" sz="2800" dirty="0">
+                <a:solidFill>
+                  <a:srgbClr val="FF00FF"/>
+                </a:solidFill>
+                <a:latin typeface="Courier"/>
+                <a:ea typeface="Courier"/>
+                <a:cs typeface="Courier"/>
+                <a:sym typeface="Courier New"/>
+              </a:rPr>
+              <a:t>[</a:t>
+            </a:r>
+            <a:r>
+              <a:rPr lang="el-GR" sz="2800" dirty="0">
+                <a:solidFill>
+                  <a:srgbClr val="FF00FF"/>
+                </a:solidFill>
+                <a:latin typeface="Courier"/>
+                <a:ea typeface="Courier"/>
+                <a:cs typeface="Courier"/>
+                <a:sym typeface="Courier New"/>
+              </a:rPr>
+              <a:t>λέξη</a:t>
+            </a:r>
+            <a:r>
+              <a:rPr lang="en-US" sz="2800" dirty="0">
+                <a:solidFill>
+                  <a:srgbClr val="FF00FF"/>
+                </a:solidFill>
+                <a:latin typeface="Courier"/>
+                <a:ea typeface="Courier"/>
+                <a:cs typeface="Courier"/>
+                <a:sym typeface="Courier New"/>
+              </a:rPr>
+              <a:t>] = </a:t>
+            </a:r>
+            <a:r>
+              <a:rPr lang="el-GR" sz="2800" dirty="0">
+                <a:solidFill>
+                  <a:srgbClr val="FF00FF"/>
+                </a:solidFill>
+                <a:latin typeface="Courier"/>
+                <a:ea typeface="Courier"/>
+                <a:cs typeface="Courier"/>
+                <a:sym typeface="Courier New"/>
+              </a:rPr>
+              <a:t>πλήθη</a:t>
+            </a:r>
+            <a:r>
+              <a:rPr lang="en-US" sz="2800" dirty="0">
+                <a:solidFill>
+                  <a:srgbClr val="FF00FF"/>
+                </a:solidFill>
+                <a:latin typeface="Courier"/>
+                <a:ea typeface="Courier"/>
+                <a:cs typeface="Courier"/>
+                <a:sym typeface="Courier New"/>
+              </a:rPr>
+              <a:t>.get(</a:t>
+            </a:r>
+            <a:r>
+              <a:rPr lang="el-GR" sz="2800" dirty="0">
+                <a:solidFill>
+                  <a:srgbClr val="FF00FF"/>
+                </a:solidFill>
+                <a:latin typeface="Courier"/>
+                <a:ea typeface="Courier"/>
+                <a:cs typeface="Courier"/>
+                <a:sym typeface="Courier New"/>
+              </a:rPr>
+              <a:t>λέξη</a:t>
+            </a:r>
+            <a:r>
+              <a:rPr lang="en-US" sz="2800" dirty="0">
+                <a:solidFill>
+                  <a:srgbClr val="FF00FF"/>
+                </a:solidFill>
+                <a:latin typeface="Courier"/>
+                <a:ea typeface="Courier"/>
+                <a:cs typeface="Courier"/>
+                <a:sym typeface="Courier New"/>
+              </a:rPr>
+              <a:t>,0) + 1</a:t>
             </a:r>
           </a:p>
           <a:p>
@@ -20199,7 +20745,7 @@
               <a:buSzPct val="25000"/>
             </a:pPr>
             <a:r>
-              <a:rPr lang="en-US" sz="2800" dirty="0" err="1">
+              <a:rPr lang="en-US" sz="2800" dirty="0">
                 <a:solidFill>
                   <a:srgbClr val="00FFFF"/>
                 </a:solidFill>
@@ -20208,10 +20754,10 @@
                 <a:cs typeface="Courier"/>
                 <a:sym typeface="Courier New"/>
               </a:rPr>
-              <a:t>bigcount</a:t>
-            </a:r>
-            <a:r>
-              <a:rPr lang="en-US" sz="2800" dirty="0">
+              <a:t>max</a:t>
+            </a:r>
+            <a:r>
+              <a:rPr lang="el-GR" sz="2800" dirty="0">
                 <a:solidFill>
                   <a:srgbClr val="00FFFF"/>
                 </a:solidFill>
@@ -20220,18 +20766,10 @@
                 <a:cs typeface="Courier"/>
                 <a:sym typeface="Courier New"/>
               </a:rPr>
-              <a:t> = None</a:t>
-            </a:r>
-          </a:p>
-          <a:p>
-            <a:pPr lvl="0">
-              <a:buClr>
-                <a:srgbClr val="00FF00"/>
-              </a:buClr>
-              <a:buSzPct val="25000"/>
-            </a:pPr>
-            <a:r>
-              <a:rPr lang="en-US" sz="2800" dirty="0" err="1">
+              <a:t>πλήθος</a:t>
+            </a:r>
+            <a:r>
+              <a:rPr lang="en-US" sz="2800" dirty="0">
                 <a:solidFill>
                   <a:srgbClr val="00FFFF"/>
                 </a:solidFill>
@@ -20240,8 +20778,16 @@
                 <a:cs typeface="Courier"/>
                 <a:sym typeface="Courier New"/>
               </a:rPr>
-              <a:t>bigword</a:t>
-            </a:r>
+              <a:t> = None</a:t>
+            </a:r>
+          </a:p>
+          <a:p>
+            <a:pPr lvl="0">
+              <a:buClr>
+                <a:srgbClr val="00FF00"/>
+              </a:buClr>
+              <a:buSzPct val="25000"/>
+            </a:pPr>
             <a:r>
               <a:rPr lang="en-US" sz="2800" dirty="0">
                 <a:solidFill>
@@ -20252,18 +20798,10 @@
                 <a:cs typeface="Courier"/>
                 <a:sym typeface="Courier New"/>
               </a:rPr>
-              <a:t> = None</a:t>
-            </a:r>
-          </a:p>
-          <a:p>
-            <a:pPr lvl="0">
-              <a:buClr>
-                <a:srgbClr val="00FF00"/>
-              </a:buClr>
-              <a:buSzPct val="25000"/>
-            </a:pPr>
-            <a:r>
-              <a:rPr lang="en-US" sz="2800" dirty="0">
+              <a:t>max</a:t>
+            </a:r>
+            <a:r>
+              <a:rPr lang="el-GR" sz="2800" dirty="0">
                 <a:solidFill>
                   <a:srgbClr val="00FFFF"/>
                 </a:solidFill>
@@ -20272,10 +20810,10 @@
                 <a:cs typeface="Courier"/>
                 <a:sym typeface="Courier New"/>
               </a:rPr>
-              <a:t>for </a:t>
-            </a:r>
-            <a:r>
-              <a:rPr lang="en-US" sz="2800" dirty="0" err="1">
+              <a:t>λέξη</a:t>
+            </a:r>
+            <a:r>
+              <a:rPr lang="en-US" sz="2800" dirty="0">
                 <a:solidFill>
                   <a:srgbClr val="00FFFF"/>
                 </a:solidFill>
@@ -20284,8 +20822,16 @@
                 <a:cs typeface="Courier"/>
                 <a:sym typeface="Courier New"/>
               </a:rPr>
-              <a:t>word,count</a:t>
-            </a:r>
+              <a:t> = None</a:t>
+            </a:r>
+          </a:p>
+          <a:p>
+            <a:pPr lvl="0">
+              <a:buClr>
+                <a:srgbClr val="00FF00"/>
+              </a:buClr>
+              <a:buSzPct val="25000"/>
+            </a:pPr>
             <a:r>
               <a:rPr lang="en-US" sz="2800" dirty="0">
                 <a:solidFill>
@@ -20296,10 +20842,10 @@
                 <a:cs typeface="Courier"/>
                 <a:sym typeface="Courier New"/>
               </a:rPr>
-              <a:t> in </a:t>
-            </a:r>
-            <a:r>
-              <a:rPr lang="en-US" sz="2800" dirty="0" err="1">
+              <a:t>for </a:t>
+            </a:r>
+            <a:r>
+              <a:rPr lang="el-GR" sz="2800" dirty="0">
                 <a:solidFill>
                   <a:srgbClr val="00FFFF"/>
                 </a:solidFill>
@@ -20308,7 +20854,7 @@
                 <a:cs typeface="Courier"/>
                 <a:sym typeface="Courier New"/>
               </a:rPr>
-              <a:t>counts.items</a:t>
+              <a:t>λέξη</a:t>
             </a:r>
             <a:r>
               <a:rPr lang="en-US" sz="2800" dirty="0">
@@ -20320,18 +20866,10 @@
                 <a:cs typeface="Courier"/>
                 <a:sym typeface="Courier New"/>
               </a:rPr>
-              <a:t>():</a:t>
-            </a:r>
-          </a:p>
-          <a:p>
-            <a:pPr lvl="0">
-              <a:buClr>
-                <a:srgbClr val="00FF00"/>
-              </a:buClr>
-              <a:buSzPct val="25000"/>
-            </a:pPr>
-            <a:r>
-              <a:rPr lang="en-US" sz="2800" dirty="0">
+              <a:t>,</a:t>
+            </a:r>
+            <a:r>
+              <a:rPr lang="el-GR" sz="2800" dirty="0">
                 <a:solidFill>
                   <a:srgbClr val="00FFFF"/>
                 </a:solidFill>
@@ -20340,10 +20878,10 @@
                 <a:cs typeface="Courier"/>
                 <a:sym typeface="Courier New"/>
               </a:rPr>
-              <a:t>    if </a:t>
-            </a:r>
-            <a:r>
-              <a:rPr lang="en-US" sz="2800" dirty="0" err="1">
+              <a:t>πλήθος</a:t>
+            </a:r>
+            <a:r>
+              <a:rPr lang="en-US" sz="2800" dirty="0">
                 <a:solidFill>
                   <a:srgbClr val="00FFFF"/>
                 </a:solidFill>
@@ -20352,10 +20890,10 @@
                 <a:cs typeface="Courier"/>
                 <a:sym typeface="Courier New"/>
               </a:rPr>
-              <a:t>bigcount</a:t>
-            </a:r>
-            <a:r>
-              <a:rPr lang="en-US" sz="2800" dirty="0">
+              <a:t> in </a:t>
+            </a:r>
+            <a:r>
+              <a:rPr lang="el-GR" sz="2800" dirty="0">
                 <a:solidFill>
                   <a:srgbClr val="00FFFF"/>
                 </a:solidFill>
@@ -20364,10 +20902,10 @@
                 <a:cs typeface="Courier"/>
                 <a:sym typeface="Courier New"/>
               </a:rPr>
-              <a:t> is None or count &gt; </a:t>
-            </a:r>
-            <a:r>
-              <a:rPr lang="en-US" sz="2800" dirty="0" err="1">
+              <a:t>πλήθη</a:t>
+            </a:r>
+            <a:r>
+              <a:rPr lang="en-US" sz="2800" dirty="0">
                 <a:solidFill>
                   <a:srgbClr val="00FFFF"/>
                 </a:solidFill>
@@ -20376,8 +20914,16 @@
                 <a:cs typeface="Courier"/>
                 <a:sym typeface="Courier New"/>
               </a:rPr>
-              <a:t>bigcount</a:t>
-            </a:r>
+              <a:t>.items():</a:t>
+            </a:r>
+          </a:p>
+          <a:p>
+            <a:pPr lvl="0">
+              <a:buClr>
+                <a:srgbClr val="00FF00"/>
+              </a:buClr>
+              <a:buSzPct val="25000"/>
+            </a:pPr>
             <a:r>
               <a:rPr lang="en-US" sz="2800" dirty="0">
                 <a:solidFill>
@@ -20388,18 +20934,10 @@
                 <a:cs typeface="Courier"/>
                 <a:sym typeface="Courier New"/>
               </a:rPr>
-              <a:t>:</a:t>
-            </a:r>
-          </a:p>
-          <a:p>
-            <a:pPr lvl="0">
-              <a:buClr>
-                <a:srgbClr val="00FF00"/>
-              </a:buClr>
-              <a:buSzPct val="25000"/>
-            </a:pPr>
-            <a:r>
-              <a:rPr lang="en-US" sz="2800" dirty="0">
+              <a:t>    if max</a:t>
+            </a:r>
+            <a:r>
+              <a:rPr lang="el-GR" sz="2800" dirty="0">
                 <a:solidFill>
                   <a:srgbClr val="00FFFF"/>
                 </a:solidFill>
@@ -20408,10 +20946,10 @@
                 <a:cs typeface="Courier"/>
                 <a:sym typeface="Courier New"/>
               </a:rPr>
-              <a:t>        </a:t>
-            </a:r>
-            <a:r>
-              <a:rPr lang="en-US" sz="2800" dirty="0" err="1">
+              <a:t>πλήθος</a:t>
+            </a:r>
+            <a:r>
+              <a:rPr lang="en-US" sz="2800" dirty="0">
                 <a:solidFill>
                   <a:srgbClr val="00FFFF"/>
                 </a:solidFill>
@@ -20420,10 +20958,10 @@
                 <a:cs typeface="Courier"/>
                 <a:sym typeface="Courier New"/>
               </a:rPr>
-              <a:t>bigword</a:t>
-            </a:r>
-            <a:r>
-              <a:rPr lang="en-US" sz="2800" dirty="0">
+              <a:t> is None or </a:t>
+            </a:r>
+            <a:r>
+              <a:rPr lang="el-GR" sz="2800" dirty="0">
                 <a:solidFill>
                   <a:srgbClr val="00FFFF"/>
                 </a:solidFill>
@@ -20432,16 +20970,8 @@
                 <a:cs typeface="Courier"/>
                 <a:sym typeface="Courier New"/>
               </a:rPr>
-              <a:t> = word</a:t>
-            </a:r>
-          </a:p>
-          <a:p>
-            <a:pPr lvl="0">
-              <a:buClr>
-                <a:srgbClr val="00FF00"/>
-              </a:buClr>
-              <a:buSzPct val="25000"/>
-            </a:pPr>
+              <a:t>πλήθος</a:t>
+            </a:r>
             <a:r>
               <a:rPr lang="en-US" sz="2800" dirty="0">
                 <a:solidFill>
@@ -20452,10 +20982,10 @@
                 <a:cs typeface="Courier"/>
                 <a:sym typeface="Courier New"/>
               </a:rPr>
-              <a:t>        </a:t>
-            </a:r>
-            <a:r>
-              <a:rPr lang="en-US" sz="2800" dirty="0" err="1">
+              <a:t> &gt; max</a:t>
+            </a:r>
+            <a:r>
+              <a:rPr lang="el-GR" sz="2800" dirty="0">
                 <a:solidFill>
                   <a:srgbClr val="00FFFF"/>
                 </a:solidFill>
@@ -20464,7 +20994,7 @@
                 <a:cs typeface="Courier"/>
                 <a:sym typeface="Courier New"/>
               </a:rPr>
-              <a:t>bigcount</a:t>
+              <a:t>πλήθος </a:t>
             </a:r>
             <a:r>
               <a:rPr lang="en-US" sz="2800" dirty="0">
@@ -20476,8 +21006,138 @@
                 <a:cs typeface="Courier"/>
                 <a:sym typeface="Courier New"/>
               </a:rPr>
-              <a:t> = count</a:t>
-            </a:r>
+              <a:t>:</a:t>
+            </a:r>
+          </a:p>
+          <a:p>
+            <a:pPr lvl="0">
+              <a:buClr>
+                <a:srgbClr val="00FF00"/>
+              </a:buClr>
+              <a:buSzPct val="25000"/>
+            </a:pPr>
+            <a:r>
+              <a:rPr lang="en-US" sz="2800" dirty="0">
+                <a:solidFill>
+                  <a:srgbClr val="00FFFF"/>
+                </a:solidFill>
+                <a:latin typeface="Courier"/>
+                <a:ea typeface="Courier"/>
+                <a:cs typeface="Courier"/>
+                <a:sym typeface="Courier New"/>
+              </a:rPr>
+              <a:t>		max</a:t>
+            </a:r>
+            <a:r>
+              <a:rPr lang="el-GR" sz="2800" dirty="0">
+                <a:solidFill>
+                  <a:srgbClr val="00FFFF"/>
+                </a:solidFill>
+                <a:latin typeface="Courier"/>
+                <a:ea typeface="Courier"/>
+                <a:cs typeface="Courier"/>
+                <a:sym typeface="Courier New"/>
+              </a:rPr>
+              <a:t>λέξη</a:t>
+            </a:r>
+            <a:r>
+              <a:rPr lang="en-US" sz="2800" dirty="0">
+                <a:solidFill>
+                  <a:srgbClr val="00FFFF"/>
+                </a:solidFill>
+                <a:latin typeface="Courier"/>
+                <a:ea typeface="Courier"/>
+                <a:cs typeface="Courier"/>
+                <a:sym typeface="Courier New"/>
+              </a:rPr>
+              <a:t> = </a:t>
+            </a:r>
+            <a:r>
+              <a:rPr lang="el-GR" sz="2800" dirty="0">
+                <a:solidFill>
+                  <a:srgbClr val="00FFFF"/>
+                </a:solidFill>
+                <a:latin typeface="Courier"/>
+                <a:ea typeface="Courier"/>
+                <a:cs typeface="Courier"/>
+                <a:sym typeface="Courier New"/>
+              </a:rPr>
+              <a:t>λέξη</a:t>
+            </a:r>
+            <a:endParaRPr lang="en-US" sz="2800" dirty="0">
+              <a:solidFill>
+                <a:srgbClr val="00FFFF"/>
+              </a:solidFill>
+              <a:latin typeface="Courier"/>
+              <a:ea typeface="Courier"/>
+              <a:cs typeface="Courier"/>
+              <a:sym typeface="Courier New"/>
+            </a:endParaRPr>
+          </a:p>
+          <a:p>
+            <a:pPr lvl="0">
+              <a:buClr>
+                <a:srgbClr val="00FF00"/>
+              </a:buClr>
+              <a:buSzPct val="25000"/>
+            </a:pPr>
+            <a:r>
+              <a:rPr lang="en-US" sz="2800" dirty="0">
+                <a:solidFill>
+                  <a:srgbClr val="00FFFF"/>
+                </a:solidFill>
+                <a:latin typeface="Courier"/>
+                <a:ea typeface="Courier"/>
+                <a:cs typeface="Courier"/>
+                <a:sym typeface="Courier New"/>
+              </a:rPr>
+              <a:t>		max</a:t>
+            </a:r>
+            <a:r>
+              <a:rPr lang="el-GR" sz="2800" dirty="0">
+                <a:solidFill>
+                  <a:srgbClr val="00FFFF"/>
+                </a:solidFill>
+                <a:latin typeface="Courier"/>
+                <a:ea typeface="Courier"/>
+                <a:cs typeface="Courier"/>
+                <a:sym typeface="Courier New"/>
+              </a:rPr>
+              <a:t>πλήθος</a:t>
+            </a:r>
+            <a:r>
+              <a:rPr lang="en-US" sz="2800" dirty="0">
+                <a:solidFill>
+                  <a:srgbClr val="00FFFF"/>
+                </a:solidFill>
+                <a:latin typeface="Courier"/>
+                <a:ea typeface="Courier"/>
+                <a:cs typeface="Courier"/>
+                <a:sym typeface="Courier New"/>
+              </a:rPr>
+              <a:t> = </a:t>
+            </a:r>
+            <a:r>
+              <a:rPr lang="el-GR" sz="2800" dirty="0">
+                <a:solidFill>
+                  <a:srgbClr val="00FFFF"/>
+                </a:solidFill>
+                <a:latin typeface="Courier"/>
+                <a:ea typeface="Courier"/>
+                <a:cs typeface="Courier"/>
+                <a:sym typeface="Courier New"/>
+              </a:rPr>
+              <a:t>πλήθος</a:t>
+            </a:r>
+            <a:endParaRPr lang="en-US" sz="2800" dirty="0">
+              <a:solidFill>
+                <a:srgbClr val="00FFFF"/>
+              </a:solidFill>
+              <a:latin typeface="Courier"/>
+              <a:ea typeface="Courier"/>
+              <a:cs typeface="Courier"/>
+              <a:sym typeface="Courier New"/>
+            </a:endParaRPr>
           </a:p>
           <a:p>
             <a:pPr lvl="0">
@@ -20512,10 +21172,10 @@
                 <a:cs typeface="Courier"/>
                 <a:sym typeface="Courier New"/>
               </a:rPr>
-              <a:t>print(</a:t>
-            </a:r>
-            <a:r>
-              <a:rPr lang="en-US" sz="2800" dirty="0" err="1">
+              <a:t>print(max</a:t>
+            </a:r>
+            <a:r>
+              <a:rPr lang="el-GR" sz="2800" dirty="0">
                 <a:solidFill>
                   <a:srgbClr val="FF7F00"/>
                 </a:solidFill>
@@ -20524,7 +21184,7 @@
                 <a:cs typeface="Courier"/>
                 <a:sym typeface="Courier New"/>
               </a:rPr>
-              <a:t>bigword</a:t>
+              <a:t>λέξη</a:t>
             </a:r>
             <a:r>
               <a:rPr lang="en-US" sz="2800" dirty="0">
@@ -20536,10 +21196,10 @@
                 <a:cs typeface="Courier"/>
                 <a:sym typeface="Courier New"/>
               </a:rPr>
-              <a:t>, </a:t>
-            </a:r>
-            <a:r>
-              <a:rPr lang="en-US" sz="2800" dirty="0" err="1">
+              <a:t>, max</a:t>
+            </a:r>
+            <a:r>
+              <a:rPr lang="el-GR" sz="2800" dirty="0">
                 <a:solidFill>
                   <a:srgbClr val="FF7F00"/>
                 </a:solidFill>
@@ -20548,7 +21208,7 @@
                 <a:cs typeface="Courier"/>
                 <a:sym typeface="Courier New"/>
               </a:rPr>
-              <a:t>bigcount</a:t>
+              <a:t>πλήθος </a:t>
             </a:r>
             <a:r>
               <a:rPr lang="en-US" sz="2800" dirty="0">
@@ -20573,7 +21233,7 @@
         </p:nvSpPr>
         <p:spPr>
           <a:xfrm>
-            <a:off x="10071328" y="5698256"/>
+            <a:off x="10071328" y="6622896"/>
             <a:ext cx="5608411" cy="1689100"/>
           </a:xfrm>
           <a:prstGeom prst="rect">
@@ -20733,7 +21393,7 @@
                 <a:cs typeface="Arial" charset="0"/>
                 <a:sym typeface="Cabin"/>
               </a:rPr>
-              <a:t> 16</a:t>
+              <a:t>to 16</a:t>
             </a:r>
           </a:p>
         </p:txBody>
@@ -25549,13 +26209,25 @@
               <a:t>print(</a:t>
             </a:r>
             <a:r>
+              <a:rPr lang="en-US" sz="2800" u="none" strike="noStrike" cap="none" dirty="0">
+                <a:solidFill>
+                  <a:srgbClr val="00FF00"/>
+                </a:solidFill>
+                <a:latin typeface="Courier" charset="0"/>
+                <a:ea typeface="Courier" charset="0"/>
+                <a:cs typeface="Courier" charset="0"/>
+                <a:sym typeface="Cabin"/>
+              </a:rPr>
+              <a:t>'</a:t>
+            </a:r>
+            <a:r>
               <a:rPr lang="el-GR" sz="2800" dirty="0">
                 <a:solidFill>
                   <a:srgbClr val="00FF00"/>
                 </a:solidFill>
                 <a:sym typeface="Cabin"/>
               </a:rPr>
-              <a:t>'Μικρότερο</a:t>
+              <a:t>Μικρότερο</a:t>
             </a:r>
             <a:r>
               <a:rPr lang="en-US" sz="2800" dirty="0">
@@ -25761,7 +26433,7 @@
                 <a:cs typeface="Courier" charset="0"/>
                 <a:sym typeface="Cabin"/>
               </a:rPr>
-              <a:t>‘</a:t>
+              <a:t>'</a:t>
             </a:r>
             <a:r>
               <a:rPr lang="el-GR" sz="2800" u="none" strike="noStrike" cap="none" dirty="0">
@@ -26076,7 +26748,19 @@
                 <a:cs typeface="Arial" charset="0"/>
                 <a:sym typeface="Cabin"/>
               </a:rPr>
-              <a:t>print(‘</a:t>
+              <a:t>print(</a:t>
+            </a:r>
+            <a:r>
+              <a:rPr lang="en-US" sz="3000" dirty="0">
+                <a:solidFill>
+                  <a:schemeClr val="lt1"/>
+                </a:solidFill>
+                <a:latin typeface="Arial" charset="0"/>
+                <a:ea typeface="Arial" charset="0"/>
+                <a:cs typeface="Arial" charset="0"/>
+                <a:sym typeface="Cabin"/>
+              </a:rPr>
+              <a:t>'</a:t>
             </a:r>
             <a:r>
               <a:rPr lang="el-GR" sz="3000" u="none" strike="noStrike" cap="none" dirty="0">
@@ -26595,7 +27279,19 @@
                 <a:cs typeface="Arial" charset="0"/>
                 <a:sym typeface="Cabin"/>
               </a:rPr>
-              <a:t>print(‘</a:t>
+              <a:t>print(</a:t>
+            </a:r>
+            <a:r>
+              <a:rPr lang="en-US" sz="3000" dirty="0">
+                <a:solidFill>
+                  <a:schemeClr val="lt1"/>
+                </a:solidFill>
+                <a:latin typeface="Arial" charset="0"/>
+                <a:ea typeface="Arial" charset="0"/>
+                <a:cs typeface="Arial" charset="0"/>
+                <a:sym typeface="Cabin"/>
+              </a:rPr>
+              <a:t>'</a:t>
             </a:r>
             <a:r>
               <a:rPr lang="el-GR" sz="3000" dirty="0">
@@ -27593,7 +28289,7 @@
               <a:t>rint(</a:t>
             </a:r>
             <a:r>
-              <a:rPr lang="en-US" sz="2800" u="none" strike="noStrike" cap="none" dirty="0">
+              <a:rPr lang="en-US" sz="2800" dirty="0">
                 <a:solidFill>
                   <a:srgbClr val="00FF00"/>
                 </a:solidFill>
@@ -28252,7 +28948,19 @@
                 <a:cs typeface="Arial" charset="0"/>
                 <a:sym typeface="Cabin"/>
               </a:rPr>
-              <a:t>print(‘</a:t>
+              <a:t>print(</a:t>
+            </a:r>
+            <a:r>
+              <a:rPr lang="en-US" sz="3500" dirty="0">
+                <a:solidFill>
+                  <a:schemeClr val="lt1"/>
+                </a:solidFill>
+                <a:latin typeface="Arial" charset="0"/>
+                <a:ea typeface="Arial" charset="0"/>
+                <a:cs typeface="Arial" charset="0"/>
+                <a:sym typeface="Cabin"/>
+              </a:rPr>
+              <a:t>'</a:t>
             </a:r>
             <a:r>
               <a:rPr lang="el-GR" sz="3500" dirty="0">
@@ -28685,7 +29393,7 @@
               <a:buSzPct val="25000"/>
             </a:pPr>
             <a:r>
-              <a:rPr lang="en-US" sz="2800" dirty="0">
+              <a:rPr lang="el-GR" sz="2800" dirty="0">
                 <a:solidFill>
                   <a:srgbClr val="FFFF00"/>
                 </a:solidFill>
@@ -28694,34 +29402,34 @@
                 <a:cs typeface="Courier"/>
                 <a:sym typeface="Courier New"/>
               </a:rPr>
-              <a:t>name = </a:t>
+              <a:t>όνομα</a:t>
             </a:r>
             <a:r>
               <a:rPr lang="en-US" sz="2800" dirty="0">
                 <a:solidFill>
-                  <a:schemeClr val="bg1"/>
+                  <a:srgbClr val="FFFF00"/>
                 </a:solidFill>
                 <a:latin typeface="Courier"/>
                 <a:ea typeface="Courier"/>
                 <a:cs typeface="Courier"/>
                 <a:sym typeface="Courier New"/>
               </a:rPr>
-              <a:t>input</a:t>
+              <a:t> = </a:t>
             </a:r>
             <a:r>
               <a:rPr lang="en-US" sz="2800" dirty="0">
                 <a:solidFill>
-                  <a:srgbClr val="FFFF00"/>
+                  <a:schemeClr val="bg1"/>
                 </a:solidFill>
                 <a:latin typeface="Courier"/>
                 <a:ea typeface="Courier"/>
                 <a:cs typeface="Courier"/>
                 <a:sym typeface="Courier New"/>
               </a:rPr>
-              <a:t>(‘</a:t>
-            </a:r>
-            <a:r>
-              <a:rPr lang="el-GR" sz="2800" dirty="0">
+              <a:t>input</a:t>
+            </a:r>
+            <a:r>
+              <a:rPr lang="en-US" sz="2800" dirty="0">
                 <a:solidFill>
                   <a:srgbClr val="FFFF00"/>
                 </a:solidFill>
@@ -28730,10 +29438,10 @@
                 <a:cs typeface="Courier"/>
                 <a:sym typeface="Courier New"/>
               </a:rPr>
-              <a:t>Εισάγετε αρχείο</a:t>
-            </a:r>
-            <a:r>
-              <a:rPr lang="en-US" sz="2800" dirty="0">
+              <a:t>('</a:t>
+            </a:r>
+            <a:r>
+              <a:rPr lang="el-GR" sz="2800" dirty="0">
                 <a:solidFill>
                   <a:srgbClr val="FFFF00"/>
                 </a:solidFill>
@@ -28742,16 +29450,8 @@
                 <a:cs typeface="Courier"/>
                 <a:sym typeface="Courier New"/>
               </a:rPr>
-              <a:t>:')</a:t>
-            </a:r>
-          </a:p>
-          <a:p>
-            <a:pPr lvl="0">
-              <a:buClr>
-                <a:srgbClr val="00FF00"/>
-              </a:buClr>
-              <a:buSzPct val="25000"/>
-            </a:pPr>
+              <a:t>Εισάγετε αρχείο</a:t>
+            </a:r>
             <a:r>
               <a:rPr lang="en-US" sz="2800" dirty="0">
                 <a:solidFill>
@@ -28762,7 +29462,51 @@
                 <a:cs typeface="Courier"/>
                 <a:sym typeface="Courier New"/>
               </a:rPr>
-              <a:t>handle = open(name, 'r')</a:t>
+              <a:t>:')</a:t>
+            </a:r>
+          </a:p>
+          <a:p>
+            <a:pPr lvl="0">
+              <a:buClr>
+                <a:srgbClr val="00FF00"/>
+              </a:buClr>
+              <a:buSzPct val="25000"/>
+            </a:pPr>
+            <a:r>
+              <a:rPr lang="en-US" sz="2800" dirty="0">
+                <a:solidFill>
+                  <a:srgbClr val="FFFF00"/>
+                </a:solidFill>
+                <a:latin typeface="Courier"/>
+                <a:ea typeface="Courier"/>
+                <a:cs typeface="Courier"/>
+                <a:sym typeface="Courier New"/>
+              </a:rPr>
+              <a:t>handle = open(</a:t>
+            </a:r>
+            <a:r>
+              <a:rPr lang="el-GR" sz="2800" dirty="0">
+                <a:solidFill>
+                  <a:srgbClr val="FFFF00"/>
+                </a:solidFill>
+                <a:latin typeface="Courier"/>
+                <a:ea typeface="Courier"/>
+                <a:cs typeface="Courier"/>
+                <a:sym typeface="Courier New"/>
+              </a:rPr>
+              <a:t>όνομα</a:t>
+            </a:r>
+            <a:r>
+              <a:rPr lang="en-US" sz="2800" dirty="0">
+                <a:solidFill>
+                  <a:srgbClr val="FFFF00"/>
+                </a:solidFill>
+                <a:latin typeface="Courier"/>
+                <a:ea typeface="Courier"/>
+                <a:cs typeface="Courier"/>
+                <a:sym typeface="Courier New"/>
+              </a:rPr>
+              <a:t>, 'r')</a:t>
             </a:r>
           </a:p>
           <a:p>
@@ -28785,7 +29529,7 @@
               <a:buSzPct val="25000"/>
             </a:pPr>
             <a:r>
-              <a:rPr lang="en-US" sz="2800" dirty="0">
+              <a:rPr lang="el-GR" sz="2800" dirty="0">
                 <a:solidFill>
                   <a:srgbClr val="FFFF00"/>
                 </a:solidFill>
@@ -28794,10 +29538,10 @@
                 <a:cs typeface="Courier"/>
                 <a:sym typeface="Courier New"/>
               </a:rPr>
-              <a:t>counts = </a:t>
-            </a:r>
-            <a:r>
-              <a:rPr lang="en-US" sz="2800" dirty="0" err="1">
+              <a:t>πλήθη</a:t>
+            </a:r>
+            <a:r>
+              <a:rPr lang="en-US" sz="2800" dirty="0">
                 <a:solidFill>
                   <a:srgbClr val="FFFF00"/>
                 </a:solidFill>
@@ -28806,10 +29550,10 @@
                 <a:cs typeface="Courier"/>
                 <a:sym typeface="Courier New"/>
               </a:rPr>
-              <a:t>dict</a:t>
-            </a:r>
-            <a:r>
-              <a:rPr lang="en-US" sz="2800" dirty="0">
+              <a:t> = </a:t>
+            </a:r>
+            <a:r>
+              <a:rPr lang="en-US" sz="2800" dirty="0" err="1">
                 <a:solidFill>
                   <a:srgbClr val="FFFF00"/>
                 </a:solidFill>
@@ -28818,27 +29562,19 @@
                 <a:cs typeface="Courier"/>
                 <a:sym typeface="Courier New"/>
               </a:rPr>
-              <a:t>()</a:t>
-            </a:r>
-          </a:p>
-          <a:p>
-            <a:pPr lvl="0">
-              <a:buClr>
-                <a:srgbClr val="00FF00"/>
-              </a:buClr>
-              <a:buSzPct val="25000"/>
-            </a:pPr>
+              <a:t>dict</a:t>
+            </a:r>
             <a:r>
               <a:rPr lang="en-US" sz="2800" dirty="0">
                 <a:solidFill>
-                  <a:srgbClr val="00FA00"/>
+                  <a:srgbClr val="FFFF00"/>
                 </a:solidFill>
                 <a:latin typeface="Courier"/>
                 <a:ea typeface="Courier"/>
                 <a:cs typeface="Courier"/>
                 <a:sym typeface="Courier New"/>
               </a:rPr>
-              <a:t>for line in handle:</a:t>
+              <a:t>()</a:t>
             </a:r>
           </a:p>
           <a:p>
@@ -28858,10 +29594,10 @@
                 <a:cs typeface="Courier"/>
                 <a:sym typeface="Courier New"/>
               </a:rPr>
-              <a:t>    words = </a:t>
-            </a:r>
-            <a:r>
-              <a:rPr lang="en-US" sz="2800" dirty="0" err="1">
+              <a:t>for </a:t>
+            </a:r>
+            <a:r>
+              <a:rPr lang="el-GR" sz="2800" dirty="0">
                 <a:solidFill>
                   <a:srgbClr val="00FA00"/>
                 </a:solidFill>
@@ -28870,7 +29606,7 @@
                 <a:cs typeface="Courier"/>
                 <a:sym typeface="Courier New"/>
               </a:rPr>
-              <a:t>line.split</a:t>
+              <a:t>γραμμή</a:t>
             </a:r>
             <a:r>
               <a:rPr lang="en-US" sz="2800" dirty="0">
@@ -28882,7 +29618,7 @@
                 <a:cs typeface="Courier"/>
                 <a:sym typeface="Courier New"/>
               </a:rPr>
-              <a:t>()</a:t>
+              <a:t> in handle:</a:t>
             </a:r>
           </a:p>
           <a:p>
@@ -28902,18 +29638,10 @@
                 <a:cs typeface="Courier"/>
                 <a:sym typeface="Courier New"/>
               </a:rPr>
-              <a:t>    for word in words:</a:t>
-            </a:r>
-          </a:p>
-          <a:p>
-            <a:pPr lvl="0">
-              <a:buClr>
-                <a:srgbClr val="00FF00"/>
-              </a:buClr>
-              <a:buSzPct val="25000"/>
-            </a:pPr>
-            <a:r>
-              <a:rPr lang="en-US" sz="2800" dirty="0">
+              <a:t>    </a:t>
+            </a:r>
+            <a:r>
+              <a:rPr lang="el-GR" sz="2800" dirty="0">
                 <a:solidFill>
                   <a:srgbClr val="00FA00"/>
                 </a:solidFill>
@@ -28922,10 +29650,10 @@
                 <a:cs typeface="Courier"/>
                 <a:sym typeface="Courier New"/>
               </a:rPr>
-              <a:t>        counts[word] = </a:t>
-            </a:r>
-            <a:r>
-              <a:rPr lang="en-US" sz="2800" dirty="0" err="1">
+              <a:t>λέξεις</a:t>
+            </a:r>
+            <a:r>
+              <a:rPr lang="en-US" sz="2800" dirty="0">
                 <a:solidFill>
                   <a:srgbClr val="00FA00"/>
                 </a:solidFill>
@@ -28934,10 +29662,10 @@
                 <a:cs typeface="Courier"/>
                 <a:sym typeface="Courier New"/>
               </a:rPr>
-              <a:t>counts.get</a:t>
-            </a:r>
-            <a:r>
-              <a:rPr lang="en-US" sz="2800" dirty="0">
+              <a:t> = </a:t>
+            </a:r>
+            <a:r>
+              <a:rPr lang="el-GR" sz="2800" dirty="0">
                 <a:solidFill>
                   <a:srgbClr val="00FA00"/>
                 </a:solidFill>
@@ -28946,7 +29674,203 @@
                 <a:cs typeface="Courier"/>
                 <a:sym typeface="Courier New"/>
               </a:rPr>
-              <a:t>(word,0) + 1</a:t>
+              <a:t>γραμμή</a:t>
+            </a:r>
+            <a:r>
+              <a:rPr lang="en-US" sz="2800" dirty="0">
+                <a:solidFill>
+                  <a:srgbClr val="00FA00"/>
+                </a:solidFill>
+                <a:latin typeface="Courier"/>
+                <a:ea typeface="Courier"/>
+                <a:cs typeface="Courier"/>
+                <a:sym typeface="Courier New"/>
+              </a:rPr>
+              <a:t>.split()</a:t>
+            </a:r>
+          </a:p>
+          <a:p>
+            <a:pPr lvl="0">
+              <a:buClr>
+                <a:srgbClr val="00FF00"/>
+              </a:buClr>
+              <a:buSzPct val="25000"/>
+            </a:pPr>
+            <a:r>
+              <a:rPr lang="en-US" sz="2800" dirty="0">
+                <a:solidFill>
+                  <a:srgbClr val="00FA00"/>
+                </a:solidFill>
+                <a:latin typeface="Courier"/>
+                <a:ea typeface="Courier"/>
+                <a:cs typeface="Courier"/>
+                <a:sym typeface="Courier New"/>
+              </a:rPr>
+              <a:t>    for </a:t>
+            </a:r>
+            <a:r>
+              <a:rPr lang="el-GR" sz="2800" dirty="0">
+                <a:solidFill>
+                  <a:srgbClr val="00FA00"/>
+                </a:solidFill>
+                <a:latin typeface="Courier"/>
+                <a:ea typeface="Courier"/>
+                <a:cs typeface="Courier"/>
+                <a:sym typeface="Courier New"/>
+              </a:rPr>
+              <a:t>λέξη</a:t>
+            </a:r>
+            <a:r>
+              <a:rPr lang="en-US" sz="2800" dirty="0">
+                <a:solidFill>
+                  <a:srgbClr val="00FA00"/>
+                </a:solidFill>
+                <a:latin typeface="Courier"/>
+                <a:ea typeface="Courier"/>
+                <a:cs typeface="Courier"/>
+                <a:sym typeface="Courier New"/>
+              </a:rPr>
+              <a:t> in </a:t>
+            </a:r>
+            <a:r>
+              <a:rPr lang="el-GR" sz="2800" dirty="0">
+                <a:solidFill>
+                  <a:srgbClr val="00FA00"/>
+                </a:solidFill>
+                <a:latin typeface="Courier"/>
+                <a:ea typeface="Courier"/>
+                <a:cs typeface="Courier"/>
+                <a:sym typeface="Courier New"/>
+              </a:rPr>
+              <a:t>λέξεις</a:t>
+            </a:r>
+            <a:r>
+              <a:rPr lang="en-US" sz="2800" dirty="0">
+                <a:solidFill>
+                  <a:srgbClr val="00FA00"/>
+                </a:solidFill>
+                <a:latin typeface="Courier"/>
+                <a:ea typeface="Courier"/>
+                <a:cs typeface="Courier"/>
+                <a:sym typeface="Courier New"/>
+              </a:rPr>
+              <a:t>:</a:t>
+            </a:r>
+          </a:p>
+          <a:p>
+            <a:pPr lvl="0">
+              <a:buClr>
+                <a:srgbClr val="00FF00"/>
+              </a:buClr>
+              <a:buSzPct val="25000"/>
+            </a:pPr>
+            <a:r>
+              <a:rPr lang="en-US" sz="2800" dirty="0">
+                <a:solidFill>
+                  <a:srgbClr val="00FA00"/>
+                </a:solidFill>
+                <a:latin typeface="Courier"/>
+                <a:ea typeface="Courier"/>
+                <a:cs typeface="Courier"/>
+                <a:sym typeface="Courier New"/>
+              </a:rPr>
+              <a:t>        </a:t>
+            </a:r>
+            <a:r>
+              <a:rPr lang="el-GR" sz="2800" dirty="0">
+                <a:solidFill>
+                  <a:srgbClr val="00FA00"/>
+                </a:solidFill>
+                <a:latin typeface="Courier"/>
+                <a:ea typeface="Courier"/>
+                <a:cs typeface="Courier"/>
+                <a:sym typeface="Courier New"/>
+              </a:rPr>
+              <a:t>πλήθη</a:t>
+            </a:r>
+            <a:r>
+              <a:rPr lang="en-US" sz="2800" dirty="0">
+                <a:solidFill>
+                  <a:srgbClr val="00FA00"/>
+                </a:solidFill>
+                <a:latin typeface="Courier"/>
+                <a:ea typeface="Courier"/>
+                <a:cs typeface="Courier"/>
+                <a:sym typeface="Courier New"/>
+              </a:rPr>
+              <a:t>[</a:t>
+            </a:r>
+            <a:r>
+              <a:rPr lang="el-GR" sz="2800" dirty="0">
+                <a:solidFill>
+                  <a:srgbClr val="00FA00"/>
+                </a:solidFill>
+                <a:latin typeface="Courier"/>
+                <a:ea typeface="Courier"/>
+                <a:cs typeface="Courier"/>
+                <a:sym typeface="Courier New"/>
+              </a:rPr>
+              <a:t>λέξη</a:t>
+            </a:r>
+            <a:r>
+              <a:rPr lang="en-US" sz="2800" dirty="0">
+                <a:solidFill>
+                  <a:srgbClr val="00FA00"/>
+                </a:solidFill>
+                <a:latin typeface="Courier"/>
+                <a:ea typeface="Courier"/>
+                <a:cs typeface="Courier"/>
+                <a:sym typeface="Courier New"/>
+              </a:rPr>
+              <a:t>] = </a:t>
+            </a:r>
+            <a:r>
+              <a:rPr lang="el-GR" sz="2800" dirty="0">
+                <a:solidFill>
+                  <a:srgbClr val="00FA00"/>
+                </a:solidFill>
+                <a:latin typeface="Courier"/>
+                <a:ea typeface="Courier"/>
+                <a:cs typeface="Courier"/>
+                <a:sym typeface="Courier New"/>
+              </a:rPr>
+              <a:t>πλήθη</a:t>
+            </a:r>
+            <a:r>
+              <a:rPr lang="en-US" sz="2800" dirty="0">
+                <a:solidFill>
+                  <a:srgbClr val="00FA00"/>
+                </a:solidFill>
+                <a:latin typeface="Courier"/>
+                <a:ea typeface="Courier"/>
+                <a:cs typeface="Courier"/>
+                <a:sym typeface="Courier New"/>
+              </a:rPr>
+              <a:t>.get(</a:t>
+            </a:r>
+            <a:r>
+              <a:rPr lang="el-GR" sz="2800" dirty="0">
+                <a:solidFill>
+                  <a:srgbClr val="00FA00"/>
+                </a:solidFill>
+                <a:latin typeface="Courier"/>
+                <a:ea typeface="Courier"/>
+                <a:cs typeface="Courier"/>
+                <a:sym typeface="Courier New"/>
+              </a:rPr>
+              <a:t>λέξη</a:t>
+            </a:r>
+            <a:r>
+              <a:rPr lang="en-US" sz="2800" dirty="0">
+                <a:solidFill>
+                  <a:srgbClr val="00FA00"/>
+                </a:solidFill>
+                <a:latin typeface="Courier"/>
+                <a:ea typeface="Courier"/>
+                <a:cs typeface="Courier"/>
+                <a:sym typeface="Courier New"/>
+              </a:rPr>
+              <a:t>,0) + 1</a:t>
             </a:r>
           </a:p>
           <a:p>
@@ -28973,7 +29897,7 @@
               <a:buSzPct val="25000"/>
             </a:pPr>
             <a:r>
-              <a:rPr lang="en-US" sz="2800" dirty="0" err="1">
+              <a:rPr lang="en-US" sz="2800" dirty="0">
                 <a:solidFill>
                   <a:srgbClr val="FFFF00"/>
                 </a:solidFill>
@@ -28982,10 +29906,10 @@
                 <a:cs typeface="Courier"/>
                 <a:sym typeface="Courier New"/>
               </a:rPr>
-              <a:t>bigcount</a:t>
-            </a:r>
-            <a:r>
-              <a:rPr lang="en-US" sz="2800" dirty="0">
+              <a:t>max</a:t>
+            </a:r>
+            <a:r>
+              <a:rPr lang="el-GR" sz="2800" dirty="0">
                 <a:solidFill>
                   <a:srgbClr val="FFFF00"/>
                 </a:solidFill>
@@ -28994,18 +29918,10 @@
                 <a:cs typeface="Courier"/>
                 <a:sym typeface="Courier New"/>
               </a:rPr>
-              <a:t> = None</a:t>
-            </a:r>
-          </a:p>
-          <a:p>
-            <a:pPr lvl="0">
-              <a:buClr>
-                <a:srgbClr val="00FF00"/>
-              </a:buClr>
-              <a:buSzPct val="25000"/>
-            </a:pPr>
-            <a:r>
-              <a:rPr lang="en-US" sz="2800" dirty="0" err="1">
+              <a:t>πλήθος</a:t>
+            </a:r>
+            <a:r>
+              <a:rPr lang="en-US" sz="2800" dirty="0">
                 <a:solidFill>
                   <a:srgbClr val="FFFF00"/>
                 </a:solidFill>
@@ -29014,8 +29930,16 @@
                 <a:cs typeface="Courier"/>
                 <a:sym typeface="Courier New"/>
               </a:rPr>
-              <a:t>bigword</a:t>
-            </a:r>
+              <a:t> = None</a:t>
+            </a:r>
+          </a:p>
+          <a:p>
+            <a:pPr lvl="0">
+              <a:buClr>
+                <a:srgbClr val="00FF00"/>
+              </a:buClr>
+              <a:buSzPct val="25000"/>
+            </a:pPr>
             <a:r>
               <a:rPr lang="en-US" sz="2800" dirty="0">
                 <a:solidFill>
@@ -29026,40 +29950,40 @@
                 <a:cs typeface="Courier"/>
                 <a:sym typeface="Courier New"/>
               </a:rPr>
-              <a:t> = None</a:t>
-            </a:r>
-          </a:p>
-          <a:p>
-            <a:pPr lvl="0">
-              <a:buClr>
-                <a:srgbClr val="00FF00"/>
-              </a:buClr>
-              <a:buSzPct val="25000"/>
-            </a:pPr>
-            <a:r>
-              <a:rPr lang="en-US" sz="2800" dirty="0">
-                <a:solidFill>
-                  <a:srgbClr val="00FA00"/>
+              <a:t>max</a:t>
+            </a:r>
+            <a:r>
+              <a:rPr lang="el-GR" sz="2800" dirty="0">
+                <a:solidFill>
+                  <a:srgbClr val="FFFF00"/>
                 </a:solidFill>
                 <a:latin typeface="Courier"/>
                 <a:ea typeface="Courier"/>
                 <a:cs typeface="Courier"/>
                 <a:sym typeface="Courier New"/>
               </a:rPr>
-              <a:t>for </a:t>
-            </a:r>
-            <a:r>
-              <a:rPr lang="en-US" sz="2800" dirty="0" err="1">
-                <a:solidFill>
-                  <a:srgbClr val="00FA00"/>
+              <a:t>λέξη</a:t>
+            </a:r>
+            <a:r>
+              <a:rPr lang="en-US" sz="2800" dirty="0">
+                <a:solidFill>
+                  <a:srgbClr val="FFFF00"/>
                 </a:solidFill>
                 <a:latin typeface="Courier"/>
                 <a:ea typeface="Courier"/>
                 <a:cs typeface="Courier"/>
                 <a:sym typeface="Courier New"/>
               </a:rPr>
-              <a:t>word,count</a:t>
-            </a:r>
+              <a:t> = None</a:t>
+            </a:r>
+          </a:p>
+          <a:p>
+            <a:pPr lvl="0">
+              <a:buClr>
+                <a:srgbClr val="00FF00"/>
+              </a:buClr>
+              <a:buSzPct val="25000"/>
+            </a:pPr>
             <a:r>
               <a:rPr lang="en-US" sz="2800" dirty="0">
                 <a:solidFill>
@@ -29070,10 +29994,10 @@
                 <a:cs typeface="Courier"/>
                 <a:sym typeface="Courier New"/>
               </a:rPr>
-              <a:t> in </a:t>
-            </a:r>
-            <a:r>
-              <a:rPr lang="en-US" sz="2800" dirty="0" err="1">
+              <a:t>for </a:t>
+            </a:r>
+            <a:r>
+              <a:rPr lang="el-GR" sz="2800" dirty="0">
                 <a:solidFill>
                   <a:srgbClr val="00FA00"/>
                 </a:solidFill>
@@ -29082,7 +30006,7 @@
                 <a:cs typeface="Courier"/>
                 <a:sym typeface="Courier New"/>
               </a:rPr>
-              <a:t>counts.items</a:t>
+              <a:t>λέξη</a:t>
             </a:r>
             <a:r>
               <a:rPr lang="en-US" sz="2800" dirty="0">
@@ -29094,40 +30018,40 @@
                 <a:cs typeface="Courier"/>
                 <a:sym typeface="Courier New"/>
               </a:rPr>
-              <a:t>():</a:t>
-            </a:r>
-          </a:p>
-          <a:p>
-            <a:pPr lvl="0">
-              <a:buClr>
-                <a:srgbClr val="00FF00"/>
-              </a:buClr>
-              <a:buSzPct val="25000"/>
-            </a:pPr>
-            <a:r>
-              <a:rPr lang="en-US" sz="2800" dirty="0">
-                <a:solidFill>
-                  <a:srgbClr val="FF9300"/>
+              <a:t>,count in </a:t>
+            </a:r>
+            <a:r>
+              <a:rPr lang="el-GR" sz="2800" dirty="0">
+                <a:solidFill>
+                  <a:srgbClr val="00FA00"/>
                 </a:solidFill>
                 <a:latin typeface="Courier"/>
                 <a:ea typeface="Courier"/>
                 <a:cs typeface="Courier"/>
                 <a:sym typeface="Courier New"/>
               </a:rPr>
-              <a:t>    if </a:t>
-            </a:r>
-            <a:r>
-              <a:rPr lang="en-US" sz="2800" dirty="0" err="1">
-                <a:solidFill>
-                  <a:srgbClr val="FF9300"/>
+              <a:t>πλήθη</a:t>
+            </a:r>
+            <a:r>
+              <a:rPr lang="en-US" sz="2800" dirty="0">
+                <a:solidFill>
+                  <a:srgbClr val="00FA00"/>
                 </a:solidFill>
                 <a:latin typeface="Courier"/>
                 <a:ea typeface="Courier"/>
                 <a:cs typeface="Courier"/>
                 <a:sym typeface="Courier New"/>
               </a:rPr>
-              <a:t>bigcount</a:t>
-            </a:r>
+              <a:t>.items():</a:t>
+            </a:r>
+          </a:p>
+          <a:p>
+            <a:pPr lvl="0">
+              <a:buClr>
+                <a:srgbClr val="00FF00"/>
+              </a:buClr>
+              <a:buSzPct val="25000"/>
+            </a:pPr>
             <a:r>
               <a:rPr lang="en-US" sz="2800" dirty="0">
                 <a:solidFill>
@@ -29138,10 +30062,10 @@
                 <a:cs typeface="Courier"/>
                 <a:sym typeface="Courier New"/>
               </a:rPr>
-              <a:t> is None or count &gt; </a:t>
-            </a:r>
-            <a:r>
-              <a:rPr lang="en-US" sz="2800" dirty="0" err="1">
+              <a:t>    if max</a:t>
+            </a:r>
+            <a:r>
+              <a:rPr lang="el-GR" sz="2800" dirty="0">
                 <a:solidFill>
                   <a:srgbClr val="FF9300"/>
                 </a:solidFill>
@@ -29150,7 +30074,7 @@
                 <a:cs typeface="Courier"/>
                 <a:sym typeface="Courier New"/>
               </a:rPr>
-              <a:t>bigcount</a:t>
+              <a:t>πλήθος</a:t>
             </a:r>
             <a:r>
               <a:rPr lang="en-US" sz="2800" dirty="0">
@@ -29162,18 +30086,10 @@
                 <a:cs typeface="Courier"/>
                 <a:sym typeface="Courier New"/>
               </a:rPr>
-              <a:t>:</a:t>
-            </a:r>
-          </a:p>
-          <a:p>
-            <a:pPr lvl="0">
-              <a:buClr>
-                <a:srgbClr val="00FF00"/>
-              </a:buClr>
-              <a:buSzPct val="25000"/>
-            </a:pPr>
-            <a:r>
-              <a:rPr lang="en-US" sz="2800" dirty="0">
+              <a:t> is None or </a:t>
+            </a:r>
+            <a:r>
+              <a:rPr lang="el-GR" sz="2800" dirty="0">
                 <a:solidFill>
                   <a:srgbClr val="FF9300"/>
                 </a:solidFill>
@@ -29182,10 +30098,10 @@
                 <a:cs typeface="Courier"/>
                 <a:sym typeface="Courier New"/>
               </a:rPr>
-              <a:t>        </a:t>
-            </a:r>
-            <a:r>
-              <a:rPr lang="en-US" sz="2800" dirty="0" err="1">
+              <a:t>πλήθος</a:t>
+            </a:r>
+            <a:r>
+              <a:rPr lang="en-US" sz="2800" dirty="0">
                 <a:solidFill>
                   <a:srgbClr val="FF9300"/>
                 </a:solidFill>
@@ -29194,10 +30110,10 @@
                 <a:cs typeface="Courier"/>
                 <a:sym typeface="Courier New"/>
               </a:rPr>
-              <a:t>bigword</a:t>
-            </a:r>
-            <a:r>
-              <a:rPr lang="en-US" sz="2800" dirty="0">
+              <a:t> &gt; max</a:t>
+            </a:r>
+            <a:r>
+              <a:rPr lang="el-GR" sz="2800" dirty="0">
                 <a:solidFill>
                   <a:srgbClr val="FF9300"/>
                 </a:solidFill>
@@ -29206,16 +30122,8 @@
                 <a:cs typeface="Courier"/>
                 <a:sym typeface="Courier New"/>
               </a:rPr>
-              <a:t> = word</a:t>
-            </a:r>
-          </a:p>
-          <a:p>
-            <a:pPr lvl="0">
-              <a:buClr>
-                <a:srgbClr val="00FF00"/>
-              </a:buClr>
-              <a:buSzPct val="25000"/>
-            </a:pPr>
+              <a:t>πλήθος</a:t>
+            </a:r>
             <a:r>
               <a:rPr lang="en-US" sz="2800" dirty="0">
                 <a:solidFill>
@@ -29226,10 +30134,18 @@
                 <a:cs typeface="Courier"/>
                 <a:sym typeface="Courier New"/>
               </a:rPr>
-              <a:t>        </a:t>
-            </a:r>
-            <a:r>
-              <a:rPr lang="en-US" sz="2800" dirty="0" err="1">
+              <a:t>:</a:t>
+            </a:r>
+          </a:p>
+          <a:p>
+            <a:pPr lvl="0">
+              <a:buClr>
+                <a:srgbClr val="00FF00"/>
+              </a:buClr>
+              <a:buSzPct val="25000"/>
+            </a:pPr>
+            <a:r>
+              <a:rPr lang="en-US" sz="2800" dirty="0">
                 <a:solidFill>
                   <a:srgbClr val="FF9300"/>
                 </a:solidFill>
@@ -29238,10 +30154,10 @@
                 <a:cs typeface="Courier"/>
                 <a:sym typeface="Courier New"/>
               </a:rPr>
-              <a:t>bigcount</a:t>
-            </a:r>
-            <a:r>
-              <a:rPr lang="en-US" sz="2800" dirty="0">
+              <a:t>        max</a:t>
+            </a:r>
+            <a:r>
+              <a:rPr lang="el-GR" sz="2800" dirty="0">
                 <a:solidFill>
                   <a:srgbClr val="FF9300"/>
                 </a:solidFill>
@@ -29250,8 +30166,106 @@
                 <a:cs typeface="Courier"/>
                 <a:sym typeface="Courier New"/>
               </a:rPr>
-              <a:t> = count</a:t>
-            </a:r>
+              <a:t>λέξη</a:t>
+            </a:r>
+            <a:r>
+              <a:rPr lang="en-US" sz="2800" dirty="0">
+                <a:solidFill>
+                  <a:srgbClr val="FF9300"/>
+                </a:solidFill>
+                <a:latin typeface="Courier"/>
+                <a:ea typeface="Courier"/>
+                <a:cs typeface="Courier"/>
+                <a:sym typeface="Courier New"/>
+              </a:rPr>
+              <a:t> = </a:t>
+            </a:r>
+            <a:r>
+              <a:rPr lang="el-GR" sz="2800" dirty="0">
+                <a:solidFill>
+                  <a:srgbClr val="FF9300"/>
+                </a:solidFill>
+                <a:latin typeface="Courier"/>
+                <a:ea typeface="Courier"/>
+                <a:cs typeface="Courier"/>
+                <a:sym typeface="Courier New"/>
+              </a:rPr>
+              <a:t>λέξη</a:t>
+            </a:r>
+            <a:endParaRPr lang="en-US" sz="2800" dirty="0">
+              <a:solidFill>
+                <a:srgbClr val="FF9300"/>
+              </a:solidFill>
+              <a:latin typeface="Courier"/>
+              <a:ea typeface="Courier"/>
+              <a:cs typeface="Courier"/>
+              <a:sym typeface="Courier New"/>
+            </a:endParaRPr>
+          </a:p>
+          <a:p>
+            <a:pPr lvl="0">
+              <a:buClr>
+                <a:srgbClr val="00FF00"/>
+              </a:buClr>
+              <a:buSzPct val="25000"/>
+            </a:pPr>
+            <a:r>
+              <a:rPr lang="en-US" sz="2800" dirty="0">
+                <a:solidFill>
+                  <a:srgbClr val="FF9300"/>
+                </a:solidFill>
+                <a:latin typeface="Courier"/>
+                <a:ea typeface="Courier"/>
+                <a:cs typeface="Courier"/>
+                <a:sym typeface="Courier New"/>
+              </a:rPr>
+              <a:t>        max</a:t>
+            </a:r>
+            <a:r>
+              <a:rPr lang="el-GR" sz="2800" dirty="0">
+                <a:solidFill>
+                  <a:srgbClr val="FF9300"/>
+                </a:solidFill>
+                <a:latin typeface="Courier"/>
+                <a:ea typeface="Courier"/>
+                <a:cs typeface="Courier"/>
+                <a:sym typeface="Courier New"/>
+              </a:rPr>
+              <a:t>πλήθος</a:t>
+            </a:r>
+            <a:r>
+              <a:rPr lang="en-US" sz="2800" dirty="0">
+                <a:solidFill>
+                  <a:srgbClr val="FF9300"/>
+                </a:solidFill>
+                <a:latin typeface="Courier"/>
+                <a:ea typeface="Courier"/>
+                <a:cs typeface="Courier"/>
+                <a:sym typeface="Courier New"/>
+              </a:rPr>
+              <a:t> = </a:t>
+            </a:r>
+            <a:r>
+              <a:rPr lang="el-GR" sz="2800" dirty="0">
+                <a:solidFill>
+                  <a:srgbClr val="FF9300"/>
+                </a:solidFill>
+                <a:latin typeface="Courier"/>
+                <a:ea typeface="Courier"/>
+                <a:cs typeface="Courier"/>
+                <a:sym typeface="Courier New"/>
+              </a:rPr>
+              <a:t>πλήθος</a:t>
+            </a:r>
+            <a:endParaRPr lang="en-US" sz="2800" dirty="0">
+              <a:solidFill>
+                <a:srgbClr val="FF9300"/>
+              </a:solidFill>
+              <a:latin typeface="Courier"/>
+              <a:ea typeface="Courier"/>
+              <a:cs typeface="Courier"/>
+              <a:sym typeface="Courier New"/>
+            </a:endParaRPr>
           </a:p>
           <a:p>
             <a:pPr lvl="0">
@@ -29286,10 +30300,10 @@
                 <a:cs typeface="Courier"/>
                 <a:sym typeface="Courier New"/>
               </a:rPr>
-              <a:t>print(</a:t>
-            </a:r>
-            <a:r>
-              <a:rPr lang="en-US" sz="2800" dirty="0" err="1">
+              <a:t>print(max</a:t>
+            </a:r>
+            <a:r>
+              <a:rPr lang="el-GR" sz="2800" dirty="0">
                 <a:solidFill>
                   <a:srgbClr val="FFFF00"/>
                 </a:solidFill>
@@ -29298,7 +30312,7 @@
                 <a:cs typeface="Courier"/>
                 <a:sym typeface="Courier New"/>
               </a:rPr>
-              <a:t>bigword</a:t>
+              <a:t>λέξη</a:t>
             </a:r>
             <a:r>
               <a:rPr lang="en-US" sz="2800" dirty="0">
@@ -29310,10 +30324,10 @@
                 <a:cs typeface="Courier"/>
                 <a:sym typeface="Courier New"/>
               </a:rPr>
-              <a:t>, </a:t>
-            </a:r>
-            <a:r>
-              <a:rPr lang="en-US" sz="2800" dirty="0" err="1">
+              <a:t>, max</a:t>
+            </a:r>
+            <a:r>
+              <a:rPr lang="el-GR" sz="2800" dirty="0">
                 <a:solidFill>
                   <a:srgbClr val="FFFF00"/>
                 </a:solidFill>
@@ -29322,7 +30336,7 @@
                 <a:cs typeface="Courier"/>
                 <a:sym typeface="Courier New"/>
               </a:rPr>
-              <a:t>bigcount</a:t>
+              <a:t>πλήθος</a:t>
             </a:r>
             <a:r>
               <a:rPr lang="en-US" sz="2800" dirty="0">
@@ -29518,7 +30532,7 @@
         </p:nvSpPr>
         <p:spPr>
           <a:xfrm>
-            <a:off x="998325" y="778213"/>
+            <a:off x="338761" y="778213"/>
             <a:ext cx="10035299" cy="7548664"/>
           </a:xfrm>
           <a:prstGeom prst="rect">
@@ -29535,25 +30549,14 @@
           </a:bodyPr>
           <a:lstStyle/>
           <a:p>
-            <a:pPr marL="0" marR="0" lvl="0" indent="0" algn="l" rtl="0">
-              <a:lnSpc>
-                <a:spcPct val="100000"/>
-              </a:lnSpc>
-              <a:spcBef>
-                <a:spcPts val="0"/>
-              </a:spcBef>
-              <a:spcAft>
-                <a:spcPts val="0"/>
-              </a:spcAft>
+            <a:pPr lvl="0">
               <a:buClr>
                 <a:srgbClr val="00FF00"/>
               </a:buClr>
               <a:buSzPct val="25000"/>
-              <a:buFont typeface="Cabin"/>
-              <a:buNone/>
-            </a:pPr>
-            <a:r>
-              <a:rPr lang="en-US" sz="2800" i="0" u="none" strike="noStrike" cap="none" dirty="0">
+            </a:pPr>
+            <a:r>
+              <a:rPr lang="el-GR" sz="2800" dirty="0">
                 <a:solidFill>
                   <a:srgbClr val="FFFF00"/>
                 </a:solidFill>
@@ -29562,34 +30565,34 @@
                 <a:cs typeface="Courier"/>
                 <a:sym typeface="Courier New"/>
               </a:rPr>
-              <a:t>name = </a:t>
-            </a:r>
-            <a:r>
-              <a:rPr lang="en-US" sz="2800" i="0" u="none" strike="noStrike" cap="none" dirty="0">
-                <a:solidFill>
-                  <a:schemeClr val="bg1"/>
+              <a:t>όνομα</a:t>
+            </a:r>
+            <a:r>
+              <a:rPr lang="en-US" sz="2800" dirty="0">
+                <a:solidFill>
+                  <a:srgbClr val="FFFF00"/>
                 </a:solidFill>
                 <a:latin typeface="Courier"/>
                 <a:ea typeface="Courier"/>
                 <a:cs typeface="Courier"/>
                 <a:sym typeface="Courier New"/>
               </a:rPr>
-              <a:t>input</a:t>
-            </a:r>
-            <a:r>
-              <a:rPr lang="en-US" sz="2800" i="0" u="none" strike="noStrike" cap="none" dirty="0">
-                <a:solidFill>
-                  <a:srgbClr val="FFFF00"/>
+              <a:t> = </a:t>
+            </a:r>
+            <a:r>
+              <a:rPr lang="en-US" sz="2800" dirty="0">
+                <a:solidFill>
+                  <a:schemeClr val="bg1"/>
                 </a:solidFill>
                 <a:latin typeface="Courier"/>
                 <a:ea typeface="Courier"/>
                 <a:cs typeface="Courier"/>
                 <a:sym typeface="Courier New"/>
               </a:rPr>
-              <a:t>(‘</a:t>
-            </a:r>
-            <a:r>
-              <a:rPr lang="el-GR" sz="2800" i="0" u="none" strike="noStrike" cap="none" dirty="0">
+              <a:t>input</a:t>
+            </a:r>
+            <a:r>
+              <a:rPr lang="en-US" sz="2800" dirty="0">
                 <a:solidFill>
                   <a:srgbClr val="FFFF00"/>
                 </a:solidFill>
@@ -29598,10 +30601,10 @@
                 <a:cs typeface="Courier"/>
                 <a:sym typeface="Courier New"/>
               </a:rPr>
-              <a:t>Εισάγετε αρχείο</a:t>
-            </a:r>
-            <a:r>
-              <a:rPr lang="en-US" sz="2800" i="0" u="none" strike="noStrike" cap="none" dirty="0">
+              <a:t>('</a:t>
+            </a:r>
+            <a:r>
+              <a:rPr lang="el-GR" sz="2800" dirty="0">
                 <a:solidFill>
                   <a:srgbClr val="FFFF00"/>
                 </a:solidFill>
@@ -29610,29 +30613,10 @@
                 <a:cs typeface="Courier"/>
                 <a:sym typeface="Courier New"/>
               </a:rPr>
-              <a:t>:')</a:t>
-            </a:r>
-          </a:p>
-          <a:p>
-            <a:pPr marL="0" marR="0" lvl="0" indent="0" algn="l" rtl="0">
-              <a:lnSpc>
-                <a:spcPct val="100000"/>
-              </a:lnSpc>
-              <a:spcBef>
-                <a:spcPts val="0"/>
-              </a:spcBef>
-              <a:spcAft>
-                <a:spcPts val="0"/>
-              </a:spcAft>
-              <a:buClr>
-                <a:srgbClr val="00FF00"/>
-              </a:buClr>
-              <a:buSzPct val="25000"/>
-              <a:buFont typeface="Cabin"/>
-              <a:buNone/>
-            </a:pPr>
-            <a:r>
-              <a:rPr lang="en-US" sz="2800" i="0" u="none" strike="noStrike" cap="none" dirty="0">
+              <a:t>Εισάγετε αρχείο</a:t>
+            </a:r>
+            <a:r>
+              <a:rPr lang="en-US" sz="2800" dirty="0">
                 <a:solidFill>
                   <a:srgbClr val="FFFF00"/>
                 </a:solidFill>
@@ -29641,23 +30625,56 @@
                 <a:cs typeface="Courier"/>
                 <a:sym typeface="Courier New"/>
               </a:rPr>
-              <a:t>handle = open(name, 'r')</a:t>
-            </a:r>
-          </a:p>
-          <a:p>
-            <a:pPr marL="0" marR="0" lvl="0" indent="0" algn="ctr" rtl="0">
-              <a:lnSpc>
-                <a:spcPct val="100000"/>
-              </a:lnSpc>
-              <a:spcBef>
-                <a:spcPts val="0"/>
-              </a:spcBef>
-              <a:spcAft>
-                <a:spcPts val="0"/>
-              </a:spcAft>
-              <a:buNone/>
-            </a:pPr>
-            <a:endParaRPr sz="2800" i="0" u="none" strike="noStrike" cap="none" dirty="0">
+              <a:t>:')</a:t>
+            </a:r>
+          </a:p>
+          <a:p>
+            <a:pPr lvl="0">
+              <a:buClr>
+                <a:srgbClr val="00FF00"/>
+              </a:buClr>
+              <a:buSzPct val="25000"/>
+            </a:pPr>
+            <a:r>
+              <a:rPr lang="en-US" sz="2800" dirty="0">
+                <a:solidFill>
+                  <a:srgbClr val="FFFF00"/>
+                </a:solidFill>
+                <a:latin typeface="Courier"/>
+                <a:ea typeface="Courier"/>
+                <a:cs typeface="Courier"/>
+                <a:sym typeface="Courier New"/>
+              </a:rPr>
+              <a:t>handle = open(</a:t>
+            </a:r>
+            <a:r>
+              <a:rPr lang="el-GR" sz="2800" dirty="0">
+                <a:solidFill>
+                  <a:srgbClr val="FFFF00"/>
+                </a:solidFill>
+                <a:latin typeface="Courier"/>
+                <a:ea typeface="Courier"/>
+                <a:cs typeface="Courier"/>
+                <a:sym typeface="Courier New"/>
+              </a:rPr>
+              <a:t>όνομα</a:t>
+            </a:r>
+            <a:r>
+              <a:rPr lang="en-US" sz="2800" dirty="0">
+                <a:solidFill>
+                  <a:srgbClr val="FFFF00"/>
+                </a:solidFill>
+                <a:latin typeface="Courier"/>
+                <a:ea typeface="Courier"/>
+                <a:cs typeface="Courier"/>
+                <a:sym typeface="Courier New"/>
+              </a:rPr>
+              <a:t>, 'r')</a:t>
+            </a:r>
+          </a:p>
+          <a:p>
+            <a:pPr lvl="0" algn="ctr"/>
+            <a:endParaRPr lang="en-US" sz="2800" dirty="0">
               <a:solidFill>
                 <a:srgbClr val="00FF00"/>
               </a:solidFill>
@@ -29668,25 +30685,14 @@
             </a:endParaRPr>
           </a:p>
           <a:p>
-            <a:pPr marL="0" marR="0" lvl="0" indent="0" algn="l" rtl="0">
-              <a:lnSpc>
-                <a:spcPct val="100000"/>
-              </a:lnSpc>
-              <a:spcBef>
-                <a:spcPts val="0"/>
-              </a:spcBef>
-              <a:spcAft>
-                <a:spcPts val="0"/>
-              </a:spcAft>
+            <a:pPr lvl="0">
               <a:buClr>
                 <a:srgbClr val="00FF00"/>
               </a:buClr>
               <a:buSzPct val="25000"/>
-              <a:buFont typeface="Cabin"/>
-              <a:buNone/>
-            </a:pPr>
-            <a:r>
-              <a:rPr lang="en-US" sz="2800" i="0" u="none" strike="noStrike" cap="none" dirty="0">
+            </a:pPr>
+            <a:r>
+              <a:rPr lang="el-GR" sz="2800" dirty="0">
                 <a:solidFill>
                   <a:srgbClr val="FFFF00"/>
                 </a:solidFill>
@@ -29695,10 +30701,10 @@
                 <a:cs typeface="Courier"/>
                 <a:sym typeface="Courier New"/>
               </a:rPr>
-              <a:t>counts = </a:t>
-            </a:r>
-            <a:r>
-              <a:rPr lang="en-US" sz="2800" i="0" u="none" strike="noStrike" cap="none" dirty="0" err="1">
+              <a:t>πλήθη</a:t>
+            </a:r>
+            <a:r>
+              <a:rPr lang="en-US" sz="2800" dirty="0">
                 <a:solidFill>
                   <a:srgbClr val="FFFF00"/>
                 </a:solidFill>
@@ -29707,10 +30713,10 @@
                 <a:cs typeface="Courier"/>
                 <a:sym typeface="Courier New"/>
               </a:rPr>
-              <a:t>dict</a:t>
-            </a:r>
-            <a:r>
-              <a:rPr lang="en-US" sz="2800" i="0" u="none" strike="noStrike" cap="none" dirty="0">
+              <a:t> = </a:t>
+            </a:r>
+            <a:r>
+              <a:rPr lang="en-US" sz="2800" dirty="0" err="1">
                 <a:solidFill>
                   <a:srgbClr val="FFFF00"/>
                 </a:solidFill>
@@ -29719,27 +30725,19 @@
                 <a:cs typeface="Courier"/>
                 <a:sym typeface="Courier New"/>
               </a:rPr>
-              <a:t>()</a:t>
-            </a:r>
-          </a:p>
-          <a:p>
-            <a:pPr lvl="0">
-              <a:buClr>
-                <a:srgbClr val="00FF00"/>
-              </a:buClr>
-              <a:buSzPct val="25000"/>
-            </a:pPr>
+              <a:t>dict</a:t>
+            </a:r>
             <a:r>
               <a:rPr lang="en-US" sz="2800" dirty="0">
                 <a:solidFill>
-                  <a:srgbClr val="00FF00"/>
+                  <a:srgbClr val="FFFF00"/>
                 </a:solidFill>
                 <a:latin typeface="Courier"/>
                 <a:ea typeface="Courier"/>
                 <a:cs typeface="Courier"/>
                 <a:sym typeface="Courier New"/>
               </a:rPr>
-              <a:t>for line in handle:</a:t>
+              <a:t>()</a:t>
             </a:r>
           </a:p>
           <a:p>
@@ -29752,38 +30750,38 @@
             <a:r>
               <a:rPr lang="en-US" sz="2800" dirty="0">
                 <a:solidFill>
-                  <a:srgbClr val="00FF00"/>
+                  <a:srgbClr val="00FA00"/>
                 </a:solidFill>
                 <a:latin typeface="Courier"/>
                 <a:ea typeface="Courier"/>
                 <a:cs typeface="Courier"/>
                 <a:sym typeface="Courier New"/>
               </a:rPr>
-              <a:t>    words = </a:t>
-            </a:r>
-            <a:r>
-              <a:rPr lang="en-US" sz="2800" dirty="0" err="1">
-                <a:solidFill>
-                  <a:srgbClr val="00FF00"/>
+              <a:t>for </a:t>
+            </a:r>
+            <a:r>
+              <a:rPr lang="el-GR" sz="2800" dirty="0">
+                <a:solidFill>
+                  <a:srgbClr val="00FA00"/>
                 </a:solidFill>
                 <a:latin typeface="Courier"/>
                 <a:ea typeface="Courier"/>
                 <a:cs typeface="Courier"/>
                 <a:sym typeface="Courier New"/>
               </a:rPr>
-              <a:t>line.split</a:t>
+              <a:t>γραμμή</a:t>
             </a:r>
             <a:r>
               <a:rPr lang="en-US" sz="2800" dirty="0">
                 <a:solidFill>
-                  <a:srgbClr val="00FF00"/>
+                  <a:srgbClr val="00FA00"/>
                 </a:solidFill>
                 <a:latin typeface="Courier"/>
                 <a:ea typeface="Courier"/>
                 <a:cs typeface="Courier"/>
                 <a:sym typeface="Courier New"/>
               </a:rPr>
-              <a:t>()</a:t>
+              <a:t> in handle:</a:t>
             </a:r>
           </a:p>
           <a:p>
@@ -29796,79 +30794,255 @@
             <a:r>
               <a:rPr lang="en-US" sz="2800" dirty="0">
                 <a:solidFill>
-                  <a:srgbClr val="00FF00"/>
+                  <a:srgbClr val="00FA00"/>
                 </a:solidFill>
                 <a:latin typeface="Courier"/>
                 <a:ea typeface="Courier"/>
                 <a:cs typeface="Courier"/>
                 <a:sym typeface="Courier New"/>
               </a:rPr>
-              <a:t>    for word in words:</a:t>
-            </a:r>
-          </a:p>
-          <a:p>
-            <a:pPr lvl="0">
-              <a:buClr>
-                <a:srgbClr val="00FF00"/>
-              </a:buClr>
-              <a:buSzPct val="25000"/>
-            </a:pPr>
-            <a:r>
-              <a:rPr lang="en-US" sz="2800" dirty="0">
-                <a:solidFill>
-                  <a:srgbClr val="00FF00"/>
+              <a:t>    </a:t>
+            </a:r>
+            <a:r>
+              <a:rPr lang="el-GR" sz="2800" dirty="0">
+                <a:solidFill>
+                  <a:srgbClr val="00FA00"/>
                 </a:solidFill>
                 <a:latin typeface="Courier"/>
                 <a:ea typeface="Courier"/>
                 <a:cs typeface="Courier"/>
                 <a:sym typeface="Courier New"/>
               </a:rPr>
-              <a:t>        counts[word] = </a:t>
-            </a:r>
-            <a:r>
-              <a:rPr lang="en-US" sz="2800" dirty="0" err="1">
-                <a:solidFill>
-                  <a:srgbClr val="00FF00"/>
+              <a:t>λέξεις</a:t>
+            </a:r>
+            <a:r>
+              <a:rPr lang="en-US" sz="2800" dirty="0">
+                <a:solidFill>
+                  <a:srgbClr val="00FA00"/>
                 </a:solidFill>
                 <a:latin typeface="Courier"/>
                 <a:ea typeface="Courier"/>
                 <a:cs typeface="Courier"/>
                 <a:sym typeface="Courier New"/>
               </a:rPr>
-              <a:t>counts.get</a:t>
-            </a:r>
-            <a:r>
-              <a:rPr lang="en-US" sz="2800" dirty="0">
-                <a:solidFill>
-                  <a:srgbClr val="00FF00"/>
+              <a:t> = </a:t>
+            </a:r>
+            <a:r>
+              <a:rPr lang="el-GR" sz="2800" dirty="0">
+                <a:solidFill>
+                  <a:srgbClr val="00FA00"/>
                 </a:solidFill>
                 <a:latin typeface="Courier"/>
                 <a:ea typeface="Courier"/>
                 <a:cs typeface="Courier"/>
                 <a:sym typeface="Courier New"/>
               </a:rPr>
-              <a:t>(word,0) + 1</a:t>
-            </a:r>
-          </a:p>
-          <a:p>
-            <a:pPr marL="0" marR="0" lvl="0" indent="0" algn="l" rtl="0">
-              <a:lnSpc>
-                <a:spcPct val="100000"/>
-              </a:lnSpc>
-              <a:spcBef>
-                <a:spcPts val="0"/>
-              </a:spcBef>
-              <a:spcAft>
-                <a:spcPts val="0"/>
-              </a:spcAft>
+              <a:t>γραμμή</a:t>
+            </a:r>
+            <a:r>
+              <a:rPr lang="en-US" sz="2800" dirty="0">
+                <a:solidFill>
+                  <a:srgbClr val="00FA00"/>
+                </a:solidFill>
+                <a:latin typeface="Courier"/>
+                <a:ea typeface="Courier"/>
+                <a:cs typeface="Courier"/>
+                <a:sym typeface="Courier New"/>
+              </a:rPr>
+              <a:t>.split()</a:t>
+            </a:r>
+          </a:p>
+          <a:p>
+            <a:pPr lvl="0">
               <a:buClr>
                 <a:srgbClr val="00FF00"/>
               </a:buClr>
               <a:buSzPct val="25000"/>
-              <a:buFont typeface="Cabin"/>
-              <a:buNone/>
-            </a:pPr>
-            <a:endParaRPr lang="en-US" sz="2800" i="0" u="none" strike="noStrike" cap="none" dirty="0">
+            </a:pPr>
+            <a:r>
+              <a:rPr lang="en-US" sz="2800" dirty="0">
+                <a:solidFill>
+                  <a:srgbClr val="00FA00"/>
+                </a:solidFill>
+                <a:latin typeface="Courier"/>
+                <a:ea typeface="Courier"/>
+                <a:cs typeface="Courier"/>
+                <a:sym typeface="Courier New"/>
+              </a:rPr>
+              <a:t>    for </a:t>
+            </a:r>
+            <a:r>
+              <a:rPr lang="el-GR" sz="2800" dirty="0">
+                <a:solidFill>
+                  <a:srgbClr val="00FA00"/>
+                </a:solidFill>
+                <a:latin typeface="Courier"/>
+                <a:ea typeface="Courier"/>
+                <a:cs typeface="Courier"/>
+                <a:sym typeface="Courier New"/>
+              </a:rPr>
+              <a:t>λέξη</a:t>
+            </a:r>
+            <a:r>
+              <a:rPr lang="en-US" sz="2800" dirty="0">
+                <a:solidFill>
+                  <a:srgbClr val="00FA00"/>
+                </a:solidFill>
+                <a:latin typeface="Courier"/>
+                <a:ea typeface="Courier"/>
+                <a:cs typeface="Courier"/>
+                <a:sym typeface="Courier New"/>
+              </a:rPr>
+              <a:t> in </a:t>
+            </a:r>
+            <a:r>
+              <a:rPr lang="el-GR" sz="2800" dirty="0">
+                <a:solidFill>
+                  <a:srgbClr val="00FA00"/>
+                </a:solidFill>
+                <a:latin typeface="Courier"/>
+                <a:ea typeface="Courier"/>
+                <a:cs typeface="Courier"/>
+                <a:sym typeface="Courier New"/>
+              </a:rPr>
+              <a:t>λέξεις</a:t>
+            </a:r>
+            <a:r>
+              <a:rPr lang="en-US" sz="2800" dirty="0">
+                <a:solidFill>
+                  <a:srgbClr val="00FA00"/>
+                </a:solidFill>
+                <a:latin typeface="Courier"/>
+                <a:ea typeface="Courier"/>
+                <a:cs typeface="Courier"/>
+                <a:sym typeface="Courier New"/>
+              </a:rPr>
+              <a:t>:</a:t>
+            </a:r>
+          </a:p>
+          <a:p>
+            <a:pPr lvl="0">
+              <a:buClr>
+                <a:srgbClr val="00FF00"/>
+              </a:buClr>
+              <a:buSzPct val="25000"/>
+            </a:pPr>
+            <a:r>
+              <a:rPr lang="en-US" sz="2800" dirty="0">
+                <a:solidFill>
+                  <a:srgbClr val="00FA00"/>
+                </a:solidFill>
+                <a:latin typeface="Courier"/>
+                <a:ea typeface="Courier"/>
+                <a:cs typeface="Courier"/>
+                <a:sym typeface="Courier New"/>
+              </a:rPr>
+              <a:t>        </a:t>
+            </a:r>
+            <a:r>
+              <a:rPr lang="el-GR" sz="2800" dirty="0">
+                <a:solidFill>
+                  <a:srgbClr val="00FA00"/>
+                </a:solidFill>
+                <a:latin typeface="Courier"/>
+                <a:ea typeface="Courier"/>
+                <a:cs typeface="Courier"/>
+                <a:sym typeface="Courier New"/>
+              </a:rPr>
+              <a:t>πλήθη</a:t>
+            </a:r>
+            <a:r>
+              <a:rPr lang="en-US" sz="2800" dirty="0">
+                <a:solidFill>
+                  <a:srgbClr val="00FA00"/>
+                </a:solidFill>
+                <a:latin typeface="Courier"/>
+                <a:ea typeface="Courier"/>
+                <a:cs typeface="Courier"/>
+                <a:sym typeface="Courier New"/>
+              </a:rPr>
+              <a:t>[</a:t>
+            </a:r>
+            <a:r>
+              <a:rPr lang="el-GR" sz="2800" dirty="0">
+                <a:solidFill>
+                  <a:srgbClr val="00FA00"/>
+                </a:solidFill>
+                <a:latin typeface="Courier"/>
+                <a:ea typeface="Courier"/>
+                <a:cs typeface="Courier"/>
+                <a:sym typeface="Courier New"/>
+              </a:rPr>
+              <a:t>λέξη</a:t>
+            </a:r>
+            <a:r>
+              <a:rPr lang="en-US" sz="2800" dirty="0">
+                <a:solidFill>
+                  <a:srgbClr val="00FA00"/>
+                </a:solidFill>
+                <a:latin typeface="Courier"/>
+                <a:ea typeface="Courier"/>
+                <a:cs typeface="Courier"/>
+                <a:sym typeface="Courier New"/>
+              </a:rPr>
+              <a:t>] = </a:t>
+            </a:r>
+            <a:r>
+              <a:rPr lang="el-GR" sz="2800" dirty="0">
+                <a:solidFill>
+                  <a:srgbClr val="00FA00"/>
+                </a:solidFill>
+                <a:latin typeface="Courier"/>
+                <a:ea typeface="Courier"/>
+                <a:cs typeface="Courier"/>
+                <a:sym typeface="Courier New"/>
+              </a:rPr>
+              <a:t>πλήθη</a:t>
+            </a:r>
+            <a:r>
+              <a:rPr lang="en-US" sz="2800" dirty="0">
+                <a:solidFill>
+                  <a:srgbClr val="00FA00"/>
+                </a:solidFill>
+                <a:latin typeface="Courier"/>
+                <a:ea typeface="Courier"/>
+                <a:cs typeface="Courier"/>
+                <a:sym typeface="Courier New"/>
+              </a:rPr>
+              <a:t>.get(</a:t>
+            </a:r>
+            <a:r>
+              <a:rPr lang="el-GR" sz="2800" dirty="0">
+                <a:solidFill>
+                  <a:srgbClr val="00FA00"/>
+                </a:solidFill>
+                <a:latin typeface="Courier"/>
+                <a:ea typeface="Courier"/>
+                <a:cs typeface="Courier"/>
+                <a:sym typeface="Courier New"/>
+              </a:rPr>
+              <a:t>λέξη</a:t>
+            </a:r>
+            <a:r>
+              <a:rPr lang="en-US" sz="2800" dirty="0">
+                <a:solidFill>
+                  <a:srgbClr val="00FA00"/>
+                </a:solidFill>
+                <a:latin typeface="Courier"/>
+                <a:ea typeface="Courier"/>
+                <a:cs typeface="Courier"/>
+                <a:sym typeface="Courier New"/>
+              </a:rPr>
+              <a:t>,0) + 1</a:t>
+            </a:r>
+          </a:p>
+          <a:p>
+            <a:pPr lvl="0">
+              <a:buClr>
+                <a:srgbClr val="00FF00"/>
+              </a:buClr>
+            </a:pPr>
+            <a:endParaRPr lang="en-US" sz="2800" dirty="0">
               <a:solidFill>
                 <a:srgbClr val="00FF00"/>
               </a:solidFill>
@@ -29879,25 +31053,14 @@
             </a:endParaRPr>
           </a:p>
           <a:p>
-            <a:pPr marL="0" marR="0" lvl="0" indent="0" algn="l" rtl="0">
-              <a:lnSpc>
-                <a:spcPct val="100000"/>
-              </a:lnSpc>
-              <a:spcBef>
-                <a:spcPts val="0"/>
-              </a:spcBef>
-              <a:spcAft>
-                <a:spcPts val="0"/>
-              </a:spcAft>
+            <a:pPr lvl="0">
               <a:buClr>
                 <a:srgbClr val="00FF00"/>
               </a:buClr>
               <a:buSzPct val="25000"/>
-              <a:buFont typeface="Cabin"/>
-              <a:buNone/>
-            </a:pPr>
-            <a:r>
-              <a:rPr lang="en-US" sz="2800" i="0" u="none" strike="noStrike" cap="none" dirty="0" err="1">
+            </a:pPr>
+            <a:r>
+              <a:rPr lang="en-US" sz="2800" dirty="0">
                 <a:solidFill>
                   <a:srgbClr val="FFFF00"/>
                 </a:solidFill>
@@ -29906,10 +31069,10 @@
                 <a:cs typeface="Courier"/>
                 <a:sym typeface="Courier New"/>
               </a:rPr>
-              <a:t>bigcount</a:t>
-            </a:r>
-            <a:r>
-              <a:rPr lang="en-US" sz="2800" i="0" u="none" strike="noStrike" cap="none" dirty="0">
+              <a:t>max</a:t>
+            </a:r>
+            <a:r>
+              <a:rPr lang="el-GR" sz="2800" dirty="0">
                 <a:solidFill>
                   <a:srgbClr val="FFFF00"/>
                 </a:solidFill>
@@ -29918,29 +31081,10 @@
                 <a:cs typeface="Courier"/>
                 <a:sym typeface="Courier New"/>
               </a:rPr>
-              <a:t> = None</a:t>
-            </a:r>
-          </a:p>
-          <a:p>
-            <a:pPr marL="0" marR="0" lvl="0" indent="0" algn="l" rtl="0">
-              <a:lnSpc>
-                <a:spcPct val="100000"/>
-              </a:lnSpc>
-              <a:spcBef>
-                <a:spcPts val="0"/>
-              </a:spcBef>
-              <a:spcAft>
-                <a:spcPts val="0"/>
-              </a:spcAft>
-              <a:buClr>
-                <a:srgbClr val="00FF00"/>
-              </a:buClr>
-              <a:buSzPct val="25000"/>
-              <a:buFont typeface="Cabin"/>
-              <a:buNone/>
-            </a:pPr>
-            <a:r>
-              <a:rPr lang="en-US" sz="2800" i="0" u="none" strike="noStrike" cap="none" dirty="0" err="1">
+              <a:t>πλήθος</a:t>
+            </a:r>
+            <a:r>
+              <a:rPr lang="en-US" sz="2800" dirty="0">
                 <a:solidFill>
                   <a:srgbClr val="FFFF00"/>
                 </a:solidFill>
@@ -29949,10 +31093,18 @@
                 <a:cs typeface="Courier"/>
                 <a:sym typeface="Courier New"/>
               </a:rPr>
-              <a:t>bigword</a:t>
-            </a:r>
-            <a:r>
-              <a:rPr lang="en-US" sz="2800" i="0" u="none" strike="noStrike" cap="none" dirty="0">
+              <a:t> = None</a:t>
+            </a:r>
+          </a:p>
+          <a:p>
+            <a:pPr lvl="0">
+              <a:buClr>
+                <a:srgbClr val="00FF00"/>
+              </a:buClr>
+              <a:buSzPct val="25000"/>
+            </a:pPr>
+            <a:r>
+              <a:rPr lang="en-US" sz="2800" dirty="0">
                 <a:solidFill>
                   <a:srgbClr val="FFFF00"/>
                 </a:solidFill>
@@ -29961,319 +31113,330 @@
                 <a:cs typeface="Courier"/>
                 <a:sym typeface="Courier New"/>
               </a:rPr>
-              <a:t> = None</a:t>
-            </a:r>
-          </a:p>
-          <a:p>
-            <a:pPr marL="0" marR="0" lvl="0" indent="0" algn="l" rtl="0">
-              <a:lnSpc>
-                <a:spcPct val="100000"/>
-              </a:lnSpc>
-              <a:spcBef>
-                <a:spcPts val="0"/>
-              </a:spcBef>
-              <a:spcAft>
-                <a:spcPts val="0"/>
-              </a:spcAft>
-              <a:buClr>
-                <a:srgbClr val="00FF00"/>
-              </a:buClr>
-              <a:buSzPct val="25000"/>
-              <a:buFont typeface="Cabin"/>
-              <a:buNone/>
-            </a:pPr>
-            <a:r>
-              <a:rPr lang="en-US" sz="2800" i="0" u="none" strike="noStrike" cap="none" dirty="0">
-                <a:solidFill>
-                  <a:srgbClr val="00FF00"/>
+              <a:t>max</a:t>
+            </a:r>
+            <a:r>
+              <a:rPr lang="el-GR" sz="2800" dirty="0">
+                <a:solidFill>
+                  <a:srgbClr val="FFFF00"/>
                 </a:solidFill>
                 <a:latin typeface="Courier"/>
                 <a:ea typeface="Courier"/>
                 <a:cs typeface="Courier"/>
                 <a:sym typeface="Courier New"/>
               </a:rPr>
-              <a:t>for </a:t>
-            </a:r>
-            <a:r>
-              <a:rPr lang="en-US" sz="2800" i="0" u="none" strike="noStrike" cap="none" dirty="0" err="1">
-                <a:solidFill>
-                  <a:srgbClr val="00FF00"/>
+              <a:t>λέξη</a:t>
+            </a:r>
+            <a:r>
+              <a:rPr lang="en-US" sz="2800" dirty="0">
+                <a:solidFill>
+                  <a:srgbClr val="FFFF00"/>
                 </a:solidFill>
                 <a:latin typeface="Courier"/>
                 <a:ea typeface="Courier"/>
                 <a:cs typeface="Courier"/>
                 <a:sym typeface="Courier New"/>
               </a:rPr>
-              <a:t>word,count</a:t>
-            </a:r>
-            <a:r>
-              <a:rPr lang="en-US" sz="2800" i="0" u="none" strike="noStrike" cap="none" dirty="0">
-                <a:solidFill>
-                  <a:srgbClr val="00FF00"/>
+              <a:t> = None</a:t>
+            </a:r>
+          </a:p>
+          <a:p>
+            <a:pPr lvl="0">
+              <a:buClr>
+                <a:srgbClr val="00FF00"/>
+              </a:buClr>
+              <a:buSzPct val="25000"/>
+            </a:pPr>
+            <a:r>
+              <a:rPr lang="en-US" sz="2800" dirty="0">
+                <a:solidFill>
+                  <a:srgbClr val="00FA00"/>
                 </a:solidFill>
                 <a:latin typeface="Courier"/>
                 <a:ea typeface="Courier"/>
                 <a:cs typeface="Courier"/>
                 <a:sym typeface="Courier New"/>
               </a:rPr>
-              <a:t> in </a:t>
-            </a:r>
-            <a:r>
-              <a:rPr lang="en-US" sz="2800" i="0" u="none" strike="noStrike" cap="none" dirty="0" err="1">
-                <a:solidFill>
-                  <a:srgbClr val="00FF00"/>
+              <a:t>for </a:t>
+            </a:r>
+            <a:r>
+              <a:rPr lang="el-GR" sz="2800" dirty="0">
+                <a:solidFill>
+                  <a:srgbClr val="00FA00"/>
                 </a:solidFill>
                 <a:latin typeface="Courier"/>
                 <a:ea typeface="Courier"/>
                 <a:cs typeface="Courier"/>
                 <a:sym typeface="Courier New"/>
               </a:rPr>
-              <a:t>counts.items</a:t>
-            </a:r>
-            <a:r>
-              <a:rPr lang="en-US" sz="2800" i="0" u="none" strike="noStrike" cap="none" dirty="0">
-                <a:solidFill>
-                  <a:srgbClr val="00FF00"/>
+              <a:t>λέξη</a:t>
+            </a:r>
+            <a:r>
+              <a:rPr lang="en-US" sz="2800" dirty="0">
+                <a:solidFill>
+                  <a:srgbClr val="00FA00"/>
                 </a:solidFill>
                 <a:latin typeface="Courier"/>
                 <a:ea typeface="Courier"/>
                 <a:cs typeface="Courier"/>
                 <a:sym typeface="Courier New"/>
               </a:rPr>
-              <a:t>():</a:t>
-            </a:r>
-          </a:p>
-          <a:p>
-            <a:pPr marL="0" marR="0" lvl="0" indent="0" algn="l" rtl="0">
-              <a:lnSpc>
-                <a:spcPct val="100000"/>
-              </a:lnSpc>
-              <a:spcBef>
-                <a:spcPts val="0"/>
-              </a:spcBef>
-              <a:spcAft>
-                <a:spcPts val="0"/>
-              </a:spcAft>
-              <a:buClr>
-                <a:srgbClr val="00FF00"/>
-              </a:buClr>
-              <a:buSzPct val="25000"/>
-              <a:buFont typeface="Cabin"/>
-              <a:buNone/>
-            </a:pPr>
-            <a:r>
-              <a:rPr lang="en-US" sz="2800" i="0" u="none" strike="noStrike" cap="none" dirty="0">
-                <a:solidFill>
-                  <a:srgbClr val="FF00FF"/>
+              <a:t>,count in </a:t>
+            </a:r>
+            <a:r>
+              <a:rPr lang="el-GR" sz="2800" dirty="0">
+                <a:solidFill>
+                  <a:srgbClr val="00FA00"/>
                 </a:solidFill>
                 <a:latin typeface="Courier"/>
                 <a:ea typeface="Courier"/>
                 <a:cs typeface="Courier"/>
                 <a:sym typeface="Courier New"/>
               </a:rPr>
-              <a:t>  </a:t>
-            </a:r>
-            <a:r>
-              <a:rPr lang="en-US" sz="2800" i="0" u="none" strike="noStrike" cap="none" dirty="0">
-                <a:solidFill>
-                  <a:srgbClr val="FF7F00"/>
+              <a:t>πλήθη</a:t>
+            </a:r>
+            <a:r>
+              <a:rPr lang="en-US" sz="2800" dirty="0">
+                <a:solidFill>
+                  <a:srgbClr val="00FA00"/>
                 </a:solidFill>
                 <a:latin typeface="Courier"/>
                 <a:ea typeface="Courier"/>
                 <a:cs typeface="Courier"/>
                 <a:sym typeface="Courier New"/>
               </a:rPr>
-              <a:t>  </a:t>
-            </a:r>
-            <a:r>
-              <a:rPr lang="en-US" sz="2800" i="0" u="none" strike="noStrike" cap="none" dirty="0">
-                <a:solidFill>
-                  <a:srgbClr val="FF9900"/>
+              <a:t>.items():</a:t>
+            </a:r>
+          </a:p>
+          <a:p>
+            <a:pPr lvl="0">
+              <a:buClr>
+                <a:srgbClr val="00FF00"/>
+              </a:buClr>
+              <a:buSzPct val="25000"/>
+            </a:pPr>
+            <a:r>
+              <a:rPr lang="en-US" sz="2800" dirty="0">
+                <a:solidFill>
+                  <a:srgbClr val="FF9300"/>
                 </a:solidFill>
                 <a:latin typeface="Courier"/>
                 <a:ea typeface="Courier"/>
                 <a:cs typeface="Courier"/>
                 <a:sym typeface="Courier New"/>
               </a:rPr>
-              <a:t>if </a:t>
-            </a:r>
-            <a:r>
-              <a:rPr lang="en-US" sz="2800" i="0" u="none" strike="noStrike" cap="none" dirty="0" err="1">
-                <a:solidFill>
-                  <a:srgbClr val="FF9900"/>
+              <a:t>    if max</a:t>
+            </a:r>
+            <a:r>
+              <a:rPr lang="el-GR" sz="2800" dirty="0">
+                <a:solidFill>
+                  <a:srgbClr val="FF9300"/>
                 </a:solidFill>
                 <a:latin typeface="Courier"/>
                 <a:ea typeface="Courier"/>
                 <a:cs typeface="Courier"/>
                 <a:sym typeface="Courier New"/>
               </a:rPr>
-              <a:t>bigcount</a:t>
-            </a:r>
-            <a:r>
-              <a:rPr lang="en-US" sz="2800" i="0" u="none" strike="noStrike" cap="none" dirty="0">
-                <a:solidFill>
-                  <a:srgbClr val="FF9900"/>
+              <a:t>πλήθος</a:t>
+            </a:r>
+            <a:r>
+              <a:rPr lang="en-US" sz="2800" dirty="0">
+                <a:solidFill>
+                  <a:srgbClr val="FF9300"/>
                 </a:solidFill>
                 <a:latin typeface="Courier"/>
                 <a:ea typeface="Courier"/>
                 <a:cs typeface="Courier"/>
                 <a:sym typeface="Courier New"/>
               </a:rPr>
-              <a:t> is None or count &gt; </a:t>
-            </a:r>
-            <a:r>
-              <a:rPr lang="en-US" sz="2800" i="0" u="none" strike="noStrike" cap="none" dirty="0" err="1">
-                <a:solidFill>
-                  <a:srgbClr val="FF9900"/>
+              <a:t> is None or </a:t>
+            </a:r>
+            <a:r>
+              <a:rPr lang="el-GR" sz="2800" dirty="0">
+                <a:solidFill>
+                  <a:srgbClr val="FF9300"/>
                 </a:solidFill>
                 <a:latin typeface="Courier"/>
                 <a:ea typeface="Courier"/>
                 <a:cs typeface="Courier"/>
                 <a:sym typeface="Courier New"/>
               </a:rPr>
-              <a:t>bigcount</a:t>
-            </a:r>
-            <a:r>
-              <a:rPr lang="en-US" sz="2800" i="0" u="none" strike="noStrike" cap="none" dirty="0">
-                <a:solidFill>
-                  <a:srgbClr val="FF9900"/>
+              <a:t>πλήθος</a:t>
+            </a:r>
+            <a:r>
+              <a:rPr lang="en-US" sz="2800" dirty="0">
+                <a:solidFill>
+                  <a:srgbClr val="FF9300"/>
                 </a:solidFill>
                 <a:latin typeface="Courier"/>
                 <a:ea typeface="Courier"/>
                 <a:cs typeface="Courier"/>
                 <a:sym typeface="Courier New"/>
               </a:rPr>
-              <a:t>:</a:t>
-            </a:r>
-          </a:p>
-          <a:p>
-            <a:pPr marL="0" marR="0" lvl="0" indent="0" algn="l" rtl="0">
-              <a:lnSpc>
-                <a:spcPct val="100000"/>
-              </a:lnSpc>
-              <a:spcBef>
-                <a:spcPts val="0"/>
-              </a:spcBef>
-              <a:spcAft>
-                <a:spcPts val="0"/>
-              </a:spcAft>
-              <a:buClr>
-                <a:srgbClr val="00FF00"/>
-              </a:buClr>
-              <a:buSzPct val="25000"/>
-              <a:buFont typeface="Cabin"/>
-              <a:buNone/>
-            </a:pPr>
-            <a:r>
-              <a:rPr lang="en-US" sz="2800" i="0" u="none" strike="noStrike" cap="none" dirty="0">
-                <a:solidFill>
-                  <a:srgbClr val="FF9900"/>
+              <a:t> &gt; max</a:t>
+            </a:r>
+            <a:r>
+              <a:rPr lang="el-GR" sz="2800" dirty="0">
+                <a:solidFill>
+                  <a:srgbClr val="FF9300"/>
                 </a:solidFill>
                 <a:latin typeface="Courier"/>
                 <a:ea typeface="Courier"/>
                 <a:cs typeface="Courier"/>
                 <a:sym typeface="Courier New"/>
               </a:rPr>
-              <a:t>        </a:t>
-            </a:r>
-            <a:r>
-              <a:rPr lang="en-US" sz="2800" i="0" u="none" strike="noStrike" cap="none" dirty="0" err="1">
-                <a:solidFill>
-                  <a:srgbClr val="FF9900"/>
+              <a:t>πλήθος</a:t>
+            </a:r>
+            <a:r>
+              <a:rPr lang="en-US" sz="2800" dirty="0">
+                <a:solidFill>
+                  <a:srgbClr val="FF9300"/>
                 </a:solidFill>
                 <a:latin typeface="Courier"/>
                 <a:ea typeface="Courier"/>
                 <a:cs typeface="Courier"/>
                 <a:sym typeface="Courier New"/>
               </a:rPr>
-              <a:t>bigword</a:t>
-            </a:r>
-            <a:r>
-              <a:rPr lang="en-US" sz="2800" i="0" u="none" strike="noStrike" cap="none" dirty="0">
-                <a:solidFill>
-                  <a:srgbClr val="FF9900"/>
+              <a:t>:</a:t>
+            </a:r>
+          </a:p>
+          <a:p>
+            <a:pPr lvl="0">
+              <a:buClr>
+                <a:srgbClr val="00FF00"/>
+              </a:buClr>
+              <a:buSzPct val="25000"/>
+            </a:pPr>
+            <a:r>
+              <a:rPr lang="en-US" sz="2800" dirty="0">
+                <a:solidFill>
+                  <a:srgbClr val="FF9300"/>
                 </a:solidFill>
                 <a:latin typeface="Courier"/>
                 <a:ea typeface="Courier"/>
                 <a:cs typeface="Courier"/>
                 <a:sym typeface="Courier New"/>
               </a:rPr>
-              <a:t> = word</a:t>
-            </a:r>
-          </a:p>
-          <a:p>
-            <a:pPr marL="0" marR="0" lvl="0" indent="0" algn="l" rtl="0">
-              <a:lnSpc>
-                <a:spcPct val="100000"/>
-              </a:lnSpc>
-              <a:spcBef>
-                <a:spcPts val="0"/>
-              </a:spcBef>
-              <a:spcAft>
-                <a:spcPts val="0"/>
-              </a:spcAft>
-              <a:buClr>
-                <a:srgbClr val="00FF00"/>
-              </a:buClr>
-              <a:buSzPct val="25000"/>
-              <a:buFont typeface="Cabin"/>
-              <a:buNone/>
-            </a:pPr>
-            <a:r>
-              <a:rPr lang="en-US" sz="2800" i="0" u="none" strike="noStrike" cap="none" dirty="0">
-                <a:solidFill>
-                  <a:srgbClr val="FF9900"/>
+              <a:t>        max</a:t>
+            </a:r>
+            <a:r>
+              <a:rPr lang="el-GR" sz="2800" dirty="0">
+                <a:solidFill>
+                  <a:srgbClr val="FF9300"/>
                 </a:solidFill>
                 <a:latin typeface="Courier"/>
                 <a:ea typeface="Courier"/>
                 <a:cs typeface="Courier"/>
                 <a:sym typeface="Courier New"/>
               </a:rPr>
-              <a:t>        </a:t>
-            </a:r>
-            <a:r>
-              <a:rPr lang="en-US" sz="2800" i="0" u="none" strike="noStrike" cap="none" dirty="0" err="1">
-                <a:solidFill>
-                  <a:srgbClr val="FF9900"/>
+              <a:t>λέξη</a:t>
+            </a:r>
+            <a:r>
+              <a:rPr lang="en-US" sz="2800" dirty="0">
+                <a:solidFill>
+                  <a:srgbClr val="FF9300"/>
                 </a:solidFill>
                 <a:latin typeface="Courier"/>
                 <a:ea typeface="Courier"/>
                 <a:cs typeface="Courier"/>
                 <a:sym typeface="Courier New"/>
               </a:rPr>
-              <a:t>bigcount</a:t>
-            </a:r>
-            <a:r>
-              <a:rPr lang="en-US" sz="2800" i="0" u="none" strike="noStrike" cap="none" dirty="0">
-                <a:solidFill>
-                  <a:srgbClr val="FF9900"/>
+              <a:t> = </a:t>
+            </a:r>
+            <a:r>
+              <a:rPr lang="el-GR" sz="2800" dirty="0">
+                <a:solidFill>
+                  <a:srgbClr val="FF9300"/>
                 </a:solidFill>
                 <a:latin typeface="Courier"/>
                 <a:ea typeface="Courier"/>
                 <a:cs typeface="Courier"/>
                 <a:sym typeface="Courier New"/>
               </a:rPr>
-              <a:t> = count</a:t>
-            </a:r>
-          </a:p>
-          <a:p>
-            <a:pPr marL="0" marR="0" lvl="0" indent="0" algn="l" rtl="0">
-              <a:lnSpc>
-                <a:spcPct val="100000"/>
-              </a:lnSpc>
-              <a:spcBef>
-                <a:spcPts val="0"/>
-              </a:spcBef>
-              <a:spcAft>
-                <a:spcPts val="0"/>
-              </a:spcAft>
+              <a:t>λέξη</a:t>
+            </a:r>
+            <a:endParaRPr lang="en-US" sz="2800" dirty="0">
+              <a:solidFill>
+                <a:srgbClr val="FF9300"/>
+              </a:solidFill>
+              <a:latin typeface="Courier"/>
+              <a:ea typeface="Courier"/>
+              <a:cs typeface="Courier"/>
+              <a:sym typeface="Courier New"/>
+            </a:endParaRPr>
+          </a:p>
+          <a:p>
+            <a:pPr lvl="0">
               <a:buClr>
                 <a:srgbClr val="00FF00"/>
               </a:buClr>
-              <a:buFont typeface="Cabin"/>
-              <a:buNone/>
-            </a:pPr>
-            <a:endParaRPr sz="2800" dirty="0">
+              <a:buSzPct val="25000"/>
+            </a:pPr>
+            <a:r>
+              <a:rPr lang="en-US" sz="2800" dirty="0">
+                <a:solidFill>
+                  <a:srgbClr val="FF9300"/>
+                </a:solidFill>
+                <a:latin typeface="Courier"/>
+                <a:ea typeface="Courier"/>
+                <a:cs typeface="Courier"/>
+                <a:sym typeface="Courier New"/>
+              </a:rPr>
+              <a:t>        max</a:t>
+            </a:r>
+            <a:r>
+              <a:rPr lang="el-GR" sz="2800" dirty="0">
+                <a:solidFill>
+                  <a:srgbClr val="FF9300"/>
+                </a:solidFill>
+                <a:latin typeface="Courier"/>
+                <a:ea typeface="Courier"/>
+                <a:cs typeface="Courier"/>
+                <a:sym typeface="Courier New"/>
+              </a:rPr>
+              <a:t>πλήθος</a:t>
+            </a:r>
+            <a:r>
+              <a:rPr lang="en-US" sz="2800" dirty="0">
+                <a:solidFill>
+                  <a:srgbClr val="FF9300"/>
+                </a:solidFill>
+                <a:latin typeface="Courier"/>
+                <a:ea typeface="Courier"/>
+                <a:cs typeface="Courier"/>
+                <a:sym typeface="Courier New"/>
+              </a:rPr>
+              <a:t> = </a:t>
+            </a:r>
+            <a:r>
+              <a:rPr lang="el-GR" sz="2800" dirty="0">
+                <a:solidFill>
+                  <a:srgbClr val="FF9300"/>
+                </a:solidFill>
+                <a:latin typeface="Courier"/>
+                <a:ea typeface="Courier"/>
+                <a:cs typeface="Courier"/>
+                <a:sym typeface="Courier New"/>
+              </a:rPr>
+              <a:t>πλήθος</a:t>
+            </a:r>
+            <a:endParaRPr lang="en-US" sz="2800" dirty="0">
+              <a:solidFill>
+                <a:srgbClr val="FF9300"/>
+              </a:solidFill>
+              <a:latin typeface="Courier"/>
+              <a:ea typeface="Courier"/>
+              <a:cs typeface="Courier"/>
+              <a:sym typeface="Courier New"/>
+            </a:endParaRPr>
+          </a:p>
+          <a:p>
+            <a:pPr lvl="0">
+              <a:buClr>
+                <a:srgbClr val="00FF00"/>
+              </a:buClr>
+            </a:pPr>
+            <a:endParaRPr lang="en-US" sz="2800" dirty="0">
               <a:solidFill>
                 <a:srgbClr val="00FF00"/>
               </a:solidFill>
@@ -30284,25 +31447,14 @@
             </a:endParaRPr>
           </a:p>
           <a:p>
-            <a:pPr marL="0" marR="0" lvl="0" indent="0" algn="l" rtl="0">
-              <a:lnSpc>
-                <a:spcPct val="100000"/>
-              </a:lnSpc>
-              <a:spcBef>
-                <a:spcPts val="0"/>
-              </a:spcBef>
-              <a:spcAft>
-                <a:spcPts val="0"/>
-              </a:spcAft>
+            <a:pPr lvl="0">
               <a:buClr>
                 <a:srgbClr val="00FF00"/>
               </a:buClr>
               <a:buSzPct val="25000"/>
-              <a:buFont typeface="Cabin"/>
-              <a:buNone/>
-            </a:pPr>
-            <a:r>
-              <a:rPr lang="en-US" sz="2800" i="0" u="none" strike="noStrike" cap="none" dirty="0">
+            </a:pPr>
+            <a:r>
+              <a:rPr lang="en-US" sz="2800" dirty="0">
                 <a:solidFill>
                   <a:srgbClr val="FFFF00"/>
                 </a:solidFill>
@@ -30311,10 +31463,10 @@
                 <a:cs typeface="Courier"/>
                 <a:sym typeface="Courier New"/>
               </a:rPr>
-              <a:t>print(</a:t>
-            </a:r>
-            <a:r>
-              <a:rPr lang="en-US" sz="2800" i="0" u="none" strike="noStrike" cap="none" dirty="0" err="1">
+              <a:t>print(max</a:t>
+            </a:r>
+            <a:r>
+              <a:rPr lang="el-GR" sz="2800" dirty="0">
                 <a:solidFill>
                   <a:srgbClr val="FFFF00"/>
                 </a:solidFill>
@@ -30323,10 +31475,10 @@
                 <a:cs typeface="Courier"/>
                 <a:sym typeface="Courier New"/>
               </a:rPr>
-              <a:t>bigword</a:t>
-            </a:r>
-            <a:r>
-              <a:rPr lang="en-US" sz="2800" i="0" u="none" strike="noStrike" cap="none" dirty="0">
+              <a:t>λέξη</a:t>
+            </a:r>
+            <a:r>
+              <a:rPr lang="en-US" sz="2800" dirty="0">
                 <a:solidFill>
                   <a:srgbClr val="FFFF00"/>
                 </a:solidFill>
@@ -30335,10 +31487,10 @@
                 <a:cs typeface="Courier"/>
                 <a:sym typeface="Courier New"/>
               </a:rPr>
-              <a:t>, </a:t>
-            </a:r>
-            <a:r>
-              <a:rPr lang="en-US" sz="2800" i="0" u="none" strike="noStrike" cap="none" dirty="0" err="1">
+              <a:t>, max</a:t>
+            </a:r>
+            <a:r>
+              <a:rPr lang="el-GR" sz="2800" dirty="0">
                 <a:solidFill>
                   <a:srgbClr val="FFFF00"/>
                 </a:solidFill>
@@ -30347,10 +31499,10 @@
                 <a:cs typeface="Courier"/>
                 <a:sym typeface="Courier New"/>
               </a:rPr>
-              <a:t>bigcount</a:t>
-            </a:r>
-            <a:r>
-              <a:rPr lang="en-US" sz="2800" i="0" u="none" strike="noStrike" cap="none" dirty="0">
+              <a:t>πλήθος</a:t>
+            </a:r>
+            <a:r>
+              <a:rPr lang="en-US" sz="2800" dirty="0">
                 <a:solidFill>
                   <a:srgbClr val="FFFF00"/>
                 </a:solidFill>
@@ -31415,6 +32567,39 @@
           </a:p>
         </p:txBody>
       </p:sp>
+      <p:pic>
+        <p:nvPicPr>
+          <p:cNvPr id="6" name="Shape 536">
+            <a:extLst>
+              <a:ext uri="{FF2B5EF4-FFF2-40B4-BE49-F238E27FC236}">
+                <a16:creationId xmlns:a16="http://schemas.microsoft.com/office/drawing/2014/main" id="{BE10AF01-D437-453D-BE38-BD03821DC145}"/>
+              </a:ext>
+            </a:extLst>
+          </p:cNvPr>
+          <p:cNvPicPr preferRelativeResize="0"/>
+          <p:nvPr/>
+        </p:nvPicPr>
+        <p:blipFill rotWithShape="1">
+          <a:blip r:embed="rId5">
+            <a:alphaModFix/>
+          </a:blip>
+          <a:srcRect/>
+          <a:stretch/>
+        </p:blipFill>
+        <p:spPr>
+          <a:xfrm>
+            <a:off x="643300" y="789709"/>
+            <a:ext cx="1024800" cy="1024800"/>
+          </a:xfrm>
+          <a:prstGeom prst="rect">
+            <a:avLst/>
+          </a:prstGeom>
+          <a:noFill/>
+          <a:ln>
+            <a:noFill/>
+          </a:ln>
+        </p:spPr>
+      </p:pic>
     </p:spTree>
   </p:cSld>
   <p:clrMapOvr>

--- a/lectures3/gr/Pythonlearn-01-Intro.pptx
+++ b/lectures3/gr/Pythonlearn-01-Intro.pptx
@@ -951,29 +951,50 @@
               <a:buNone/>
             </a:pPr>
             <a:r>
+              <a:rPr lang="el-GR" dirty="0">
+                <a:solidFill>
+                  <a:schemeClr val="dk2"/>
+                </a:solidFill>
+              </a:rPr>
+              <a:t>Σημείωση από τον </a:t>
+            </a:r>
+            <a:r>
               <a:rPr lang="en-US" dirty="0">
                 <a:solidFill>
                   <a:schemeClr val="dk2"/>
                 </a:solidFill>
               </a:rPr>
-              <a:t>Note from Chuck.  If you are using these materials, you can remove the UM logo and replace it with your own, but please retain the CC-BY logo on the first page as well as retain the acknowledgements</a:t>
-            </a:r>
-            <a:r>
-              <a:rPr lang="en-US" baseline="0" dirty="0">
+              <a:t> Chuck</a:t>
+            </a:r>
+            <a:r>
+              <a:rPr lang="el-GR" dirty="0">
                 <a:solidFill>
                   <a:schemeClr val="dk2"/>
                 </a:solidFill>
               </a:rPr>
-              <a:t> page(s)</a:t>
-            </a:r>
-            <a:r>
-              <a:rPr lang="en-US" dirty="0">
+              <a:t>. Εάν χρησιμοποιείτε αυτό το υλικό, μπορείτε να αφαιρέσετε το λογότυπο UM και να το αντικαταστήσετε με το δικό σας, αλλά διατηρήστε το λογότυπο CC-BY στην πρώτη σελίδα καθώς την/τις σελίδα/</a:t>
+            </a:r>
+            <a:r>
+              <a:rPr lang="el-GR" dirty="0" err="1">
                 <a:solidFill>
                   <a:schemeClr val="dk2"/>
                 </a:solidFill>
               </a:rPr>
-              <a:t>.</a:t>
-            </a:r>
+              <a:t>ες</a:t>
+            </a:r>
+            <a:r>
+              <a:rPr lang="el-GR">
+                <a:solidFill>
+                  <a:schemeClr val="dk2"/>
+                </a:solidFill>
+              </a:rPr>
+              <a:t> αναγνώρισης.</a:t>
+            </a:r>
+            <a:endParaRPr lang="en-US" dirty="0">
+              <a:solidFill>
+                <a:schemeClr val="dk2"/>
+              </a:solidFill>
+            </a:endParaRPr>
           </a:p>
         </p:txBody>
       </p:sp>
